--- a/imputation_slides.pptx
+++ b/imputation_slides.pptx
@@ -5,7 +5,7 @@
     <p:sldMasterId id="2147483648" r:id="rId1"/>
   </p:sldMasterIdLst>
   <p:notesMasterIdLst>
-    <p:notesMasterId r:id="rId13"/>
+    <p:notesMasterId r:id="rId14"/>
   </p:notesMasterIdLst>
   <p:sldIdLst>
     <p:sldId id="256" r:id="rId2"/>
@@ -13,12 +13,13 @@
     <p:sldId id="602" r:id="rId4"/>
     <p:sldId id="603" r:id="rId5"/>
     <p:sldId id="596" r:id="rId6"/>
-    <p:sldId id="607" r:id="rId7"/>
-    <p:sldId id="609" r:id="rId8"/>
-    <p:sldId id="610" r:id="rId9"/>
-    <p:sldId id="611" r:id="rId10"/>
-    <p:sldId id="612" r:id="rId11"/>
-    <p:sldId id="608" r:id="rId12"/>
+    <p:sldId id="613" r:id="rId7"/>
+    <p:sldId id="607" r:id="rId8"/>
+    <p:sldId id="609" r:id="rId9"/>
+    <p:sldId id="610" r:id="rId10"/>
+    <p:sldId id="611" r:id="rId11"/>
+    <p:sldId id="612" r:id="rId12"/>
+    <p:sldId id="608" r:id="rId13"/>
   </p:sldIdLst>
   <p:sldSz cx="12192000" cy="6858000"/>
   <p:notesSz cx="6858000" cy="9144000"/>
@@ -218,7 +219,7 @@
           <a:p>
             <a:fld id="{51C2C243-8D58-D943-A217-462757B401BD}" type="datetimeFigureOut">
               <a:rPr lang="en-GB" smtClean="0"/>
-              <a:t>14/12/2023</a:t>
+              <a:t>19/01/2024</a:t>
             </a:fld>
             <a:endParaRPr lang="en-GB"/>
           </a:p>
@@ -955,29 +956,17 @@
           <a:lstStyle/>
           <a:p>
             <a:r>
-              <a:rPr lang="en-GB" dirty="0">
-                <a:solidFill>
-                  <a:srgbClr val="000000"/>
-                </a:solidFill>
-                <a:latin typeface="Open Sans" panose="020F0502020204030204" pitchFamily="34" charset="0"/>
-              </a:rPr>
-              <a:t>Reproductible and scalable pipelines </a:t>
-            </a:r>
-          </a:p>
-          <a:p>
-            <a:r>
-              <a:rPr lang="en-GB" b="0" i="0" dirty="0">
-                <a:solidFill>
-                  <a:srgbClr val="000000"/>
-                </a:solidFill>
-                <a:effectLst/>
-                <a:latin typeface="Open Sans" panose="020F0502020204030204" pitchFamily="34" charset="0"/>
-              </a:rPr>
-              <a:t>Analyses require the application of various tools, algorithms and scripts.</a:t>
-            </a:r>
-          </a:p>
-          <a:p>
-            <a:endParaRPr lang="en-GB" dirty="0"/>
+              <a:rPr lang="en-GB" dirty="0"/>
+              <a:t>African genetic diversity is not well represented in 1000GP panel. Even though the sample age is expected to affect imputation performance due to the large coalescent times between the reference populations and the ancient individuals. The accuracy is considerably low in very very old samples at rare variants (MAF &lt; 0.2%) . Accurately imputed heterozygous sites in very low coverage samples (0.1X) are removed when applying GP filtering even </a:t>
+            </a:r>
+            <a:r>
+              <a:rPr lang="en-GB" dirty="0" err="1"/>
+              <a:t>ig</a:t>
+            </a:r>
+            <a:r>
+              <a:rPr lang="en-GB" dirty="0"/>
+              <a:t> GP &gt; 0.7 and are much more affected than higher coverage samples, however, the GP filter in very low coverage samples still increases the accuracy of the imputation and is important to do. For 0.1X, GP &gt; 0.8 </a:t>
+            </a:r>
           </a:p>
         </p:txBody>
       </p:sp>
@@ -1007,7 +996,7 @@
     </p:spTree>
     <p:extLst>
       <p:ext uri="{BB962C8B-B14F-4D97-AF65-F5344CB8AC3E}">
-        <p14:creationId xmlns:p14="http://schemas.microsoft.com/office/powerpoint/2010/main" val="734774746"/>
+        <p14:creationId xmlns:p14="http://schemas.microsoft.com/office/powerpoint/2010/main" val="1546736721"/>
       </p:ext>
     </p:extLst>
   </p:cSld>
@@ -1062,15 +1051,28 @@
           <a:lstStyle/>
           <a:p>
             <a:r>
+              <a:rPr lang="en-GB" dirty="0">
+                <a:solidFill>
+                  <a:srgbClr val="000000"/>
+                </a:solidFill>
+                <a:latin typeface="Open Sans" panose="020F0502020204030204" pitchFamily="34" charset="0"/>
+              </a:rPr>
+              <a:t>Reproductible and scalable pipelines </a:t>
+            </a:r>
+          </a:p>
+          <a:p>
+            <a:r>
               <a:rPr lang="en-GB" b="0" i="0" dirty="0">
                 <a:solidFill>
-                  <a:srgbClr val="404040"/>
+                  <a:srgbClr val="000000"/>
                 </a:solidFill>
                 <a:effectLst/>
-                <a:latin typeface="Lato" panose="020F0502020204030203" pitchFamily="34" charset="0"/>
-              </a:rPr>
-              <a:t>One of the text-based workflow systems</a:t>
-            </a:r>
+                <a:latin typeface="Open Sans" panose="020F0502020204030204" pitchFamily="34" charset="0"/>
+              </a:rPr>
+              <a:t>Analyses require the application of various tools, algorithms and scripts.</a:t>
+            </a:r>
+          </a:p>
+          <a:p>
             <a:endParaRPr lang="en-GB" dirty="0"/>
           </a:p>
         </p:txBody>
@@ -1101,7 +1103,7 @@
     </p:spTree>
     <p:extLst>
       <p:ext uri="{BB962C8B-B14F-4D97-AF65-F5344CB8AC3E}">
-        <p14:creationId xmlns:p14="http://schemas.microsoft.com/office/powerpoint/2010/main" val="1342566797"/>
+        <p14:creationId xmlns:p14="http://schemas.microsoft.com/office/powerpoint/2010/main" val="734774746"/>
       </p:ext>
     </p:extLst>
   </p:cSld>
@@ -1155,6 +1157,16 @@
           <a:bodyPr/>
           <a:lstStyle/>
           <a:p>
+            <a:r>
+              <a:rPr lang="en-GB" b="0" i="0" dirty="0">
+                <a:solidFill>
+                  <a:srgbClr val="404040"/>
+                </a:solidFill>
+                <a:effectLst/>
+                <a:latin typeface="Lato" panose="020F0502020204030203" pitchFamily="34" charset="0"/>
+              </a:rPr>
+              <a:t>One of the text-based workflow systems</a:t>
+            </a:r>
             <a:endParaRPr lang="en-GB" dirty="0"/>
           </a:p>
         </p:txBody>
@@ -1176,7 +1188,91 @@
           <a:p>
             <a:fld id="{297E29EE-887B-9546-A987-DDF96B9F69DC}" type="slidenum">
               <a:rPr lang="en-GB" smtClean="0"/>
-              <a:t>9</a:t>
+              <a:t>8</a:t>
+            </a:fld>
+            <a:endParaRPr lang="en-GB"/>
+          </a:p>
+        </p:txBody>
+      </p:sp>
+    </p:spTree>
+    <p:extLst>
+      <p:ext uri="{BB962C8B-B14F-4D97-AF65-F5344CB8AC3E}">
+        <p14:creationId xmlns:p14="http://schemas.microsoft.com/office/powerpoint/2010/main" val="1342566797"/>
+      </p:ext>
+    </p:extLst>
+  </p:cSld>
+  <p:clrMapOvr>
+    <a:masterClrMapping/>
+  </p:clrMapOvr>
+</p:notes>
+</file>
+
+<file path=ppt/notesSlides/notesSlide8.xml><?xml version="1.0" encoding="utf-8"?>
+<p:notes xmlns:a="http://schemas.openxmlformats.org/drawingml/2006/main" xmlns:r="http://schemas.openxmlformats.org/officeDocument/2006/relationships" xmlns:p="http://schemas.openxmlformats.org/presentationml/2006/main">
+  <p:cSld>
+    <p:spTree>
+      <p:nvGrpSpPr>
+        <p:cNvPr id="1" name=""/>
+        <p:cNvGrpSpPr/>
+        <p:nvPr/>
+      </p:nvGrpSpPr>
+      <p:grpSpPr>
+        <a:xfrm>
+          <a:off x="0" y="0"/>
+          <a:ext cx="0" cy="0"/>
+          <a:chOff x="0" y="0"/>
+          <a:chExt cx="0" cy="0"/>
+        </a:xfrm>
+      </p:grpSpPr>
+      <p:sp>
+        <p:nvSpPr>
+          <p:cNvPr id="2" name="Slide Image Placeholder 1"/>
+          <p:cNvSpPr>
+            <a:spLocks noGrp="1" noRot="1" noChangeAspect="1"/>
+          </p:cNvSpPr>
+          <p:nvPr>
+            <p:ph type="sldImg"/>
+          </p:nvPr>
+        </p:nvSpPr>
+        <p:spPr/>
+      </p:sp>
+      <p:sp>
+        <p:nvSpPr>
+          <p:cNvPr id="3" name="Notes Placeholder 2"/>
+          <p:cNvSpPr>
+            <a:spLocks noGrp="1"/>
+          </p:cNvSpPr>
+          <p:nvPr>
+            <p:ph type="body" idx="1"/>
+          </p:nvPr>
+        </p:nvSpPr>
+        <p:spPr/>
+        <p:txBody>
+          <a:bodyPr/>
+          <a:lstStyle/>
+          <a:p>
+            <a:endParaRPr lang="en-GB" dirty="0"/>
+          </a:p>
+        </p:txBody>
+      </p:sp>
+      <p:sp>
+        <p:nvSpPr>
+          <p:cNvPr id="4" name="Slide Number Placeholder 3"/>
+          <p:cNvSpPr>
+            <a:spLocks noGrp="1"/>
+          </p:cNvSpPr>
+          <p:nvPr>
+            <p:ph type="sldNum" sz="quarter" idx="5"/>
+          </p:nvPr>
+        </p:nvSpPr>
+        <p:spPr/>
+        <p:txBody>
+          <a:bodyPr/>
+          <a:lstStyle/>
+          <a:p>
+            <a:fld id="{297E29EE-887B-9546-A987-DDF96B9F69DC}" type="slidenum">
+              <a:rPr lang="en-GB" smtClean="0"/>
+              <a:t>10</a:t>
             </a:fld>
             <a:endParaRPr lang="en-GB"/>
           </a:p>
@@ -1342,7 +1438,7 @@
           <a:p>
             <a:fld id="{EEC24A53-6CEA-1048-AC21-54EDCF8210C1}" type="datetimeFigureOut">
               <a:rPr lang="en-GB" smtClean="0"/>
-              <a:t>14/12/2023</a:t>
+              <a:t>19/01/2024</a:t>
             </a:fld>
             <a:endParaRPr lang="en-GB"/>
           </a:p>
@@ -1540,7 +1636,7 @@
           <a:p>
             <a:fld id="{EEC24A53-6CEA-1048-AC21-54EDCF8210C1}" type="datetimeFigureOut">
               <a:rPr lang="en-GB" smtClean="0"/>
-              <a:t>14/12/2023</a:t>
+              <a:t>19/01/2024</a:t>
             </a:fld>
             <a:endParaRPr lang="en-GB"/>
           </a:p>
@@ -1748,7 +1844,7 @@
           <a:p>
             <a:fld id="{EEC24A53-6CEA-1048-AC21-54EDCF8210C1}" type="datetimeFigureOut">
               <a:rPr lang="en-GB" smtClean="0"/>
-              <a:t>14/12/2023</a:t>
+              <a:t>19/01/2024</a:t>
             </a:fld>
             <a:endParaRPr lang="en-GB"/>
           </a:p>
@@ -2305,7 +2401,7 @@
           <a:p>
             <a:fld id="{EEC24A53-6CEA-1048-AC21-54EDCF8210C1}" type="datetimeFigureOut">
               <a:rPr lang="en-GB" smtClean="0"/>
-              <a:t>14/12/2023</a:t>
+              <a:t>19/01/2024</a:t>
             </a:fld>
             <a:endParaRPr lang="en-GB"/>
           </a:p>
@@ -2580,7 +2676,7 @@
           <a:p>
             <a:fld id="{EEC24A53-6CEA-1048-AC21-54EDCF8210C1}" type="datetimeFigureOut">
               <a:rPr lang="en-GB" smtClean="0"/>
-              <a:t>14/12/2023</a:t>
+              <a:t>19/01/2024</a:t>
             </a:fld>
             <a:endParaRPr lang="en-GB"/>
           </a:p>
@@ -2845,7 +2941,7 @@
           <a:p>
             <a:fld id="{EEC24A53-6CEA-1048-AC21-54EDCF8210C1}" type="datetimeFigureOut">
               <a:rPr lang="en-GB" smtClean="0"/>
-              <a:t>14/12/2023</a:t>
+              <a:t>19/01/2024</a:t>
             </a:fld>
             <a:endParaRPr lang="en-GB"/>
           </a:p>
@@ -3257,7 +3353,7 @@
           <a:p>
             <a:fld id="{EEC24A53-6CEA-1048-AC21-54EDCF8210C1}" type="datetimeFigureOut">
               <a:rPr lang="en-GB" smtClean="0"/>
-              <a:t>14/12/2023</a:t>
+              <a:t>19/01/2024</a:t>
             </a:fld>
             <a:endParaRPr lang="en-GB"/>
           </a:p>
@@ -3398,7 +3494,7 @@
           <a:p>
             <a:fld id="{EEC24A53-6CEA-1048-AC21-54EDCF8210C1}" type="datetimeFigureOut">
               <a:rPr lang="en-GB" smtClean="0"/>
-              <a:t>14/12/2023</a:t>
+              <a:t>19/01/2024</a:t>
             </a:fld>
             <a:endParaRPr lang="en-GB"/>
           </a:p>
@@ -3511,7 +3607,7 @@
           <a:p>
             <a:fld id="{EEC24A53-6CEA-1048-AC21-54EDCF8210C1}" type="datetimeFigureOut">
               <a:rPr lang="en-GB" smtClean="0"/>
-              <a:t>14/12/2023</a:t>
+              <a:t>19/01/2024</a:t>
             </a:fld>
             <a:endParaRPr lang="en-GB"/>
           </a:p>
@@ -3822,7 +3918,7 @@
           <a:p>
             <a:fld id="{EEC24A53-6CEA-1048-AC21-54EDCF8210C1}" type="datetimeFigureOut">
               <a:rPr lang="en-GB" smtClean="0"/>
-              <a:t>14/12/2023</a:t>
+              <a:t>19/01/2024</a:t>
             </a:fld>
             <a:endParaRPr lang="en-GB"/>
           </a:p>
@@ -4110,7 +4206,7 @@
           <a:p>
             <a:fld id="{EEC24A53-6CEA-1048-AC21-54EDCF8210C1}" type="datetimeFigureOut">
               <a:rPr lang="en-GB" smtClean="0"/>
-              <a:t>14/12/2023</a:t>
+              <a:t>19/01/2024</a:t>
             </a:fld>
             <a:endParaRPr lang="en-GB"/>
           </a:p>
@@ -4351,7 +4447,7 @@
           <a:p>
             <a:fld id="{EEC24A53-6CEA-1048-AC21-54EDCF8210C1}" type="datetimeFigureOut">
               <a:rPr lang="en-GB" smtClean="0"/>
-              <a:t>14/12/2023</a:t>
+              <a:t>19/01/2024</a:t>
             </a:fld>
             <a:endParaRPr lang="en-GB"/>
           </a:p>
@@ -4897,6 +4993,360 @@
       </p:grpSpPr>
       <p:sp>
         <p:nvSpPr>
+          <p:cNvPr id="3" name="TextBox 2">
+            <a:extLst>
+              <a:ext uri="{FF2B5EF4-FFF2-40B4-BE49-F238E27FC236}">
+                <a16:creationId xmlns:a16="http://schemas.microsoft.com/office/drawing/2014/main" id="{5506B5A7-9827-29EA-90FF-AB0E7C4FD5B5}"/>
+              </a:ext>
+            </a:extLst>
+          </p:cNvPr>
+          <p:cNvSpPr txBox="1"/>
+          <p:nvPr/>
+        </p:nvSpPr>
+        <p:spPr>
+          <a:xfrm>
+            <a:off x="1060132" y="604004"/>
+            <a:ext cx="9364027" cy="4524315"/>
+          </a:xfrm>
+          <a:prstGeom prst="rect">
+            <a:avLst/>
+          </a:prstGeom>
+          <a:noFill/>
+        </p:spPr>
+        <p:txBody>
+          <a:bodyPr wrap="square">
+            <a:spAutoFit/>
+          </a:bodyPr>
+          <a:lstStyle/>
+          <a:p>
+            <a:pPr defTabSz="518400"/>
+            <a:endParaRPr lang="en-GB" dirty="0">
+              <a:solidFill>
+                <a:srgbClr val="404040"/>
+              </a:solidFill>
+              <a:latin typeface="Lato" panose="020F0502020204030203" pitchFamily="34" charset="0"/>
+            </a:endParaRPr>
+          </a:p>
+          <a:p>
+            <a:pPr defTabSz="518400"/>
+            <a:r>
+              <a:rPr lang="en-GB" dirty="0">
+                <a:solidFill>
+                  <a:srgbClr val="404040"/>
+                </a:solidFill>
+                <a:latin typeface="Lato" panose="020F0502020204030203" pitchFamily="34" charset="0"/>
+              </a:rPr>
+              <a:t>Target rule to collect results.</a:t>
+            </a:r>
+          </a:p>
+          <a:p>
+            <a:pPr defTabSz="518400"/>
+            <a:endParaRPr lang="en-GB" dirty="0">
+              <a:solidFill>
+                <a:srgbClr val="404040"/>
+              </a:solidFill>
+              <a:latin typeface="Lato" panose="020F0502020204030203" pitchFamily="34" charset="0"/>
+            </a:endParaRPr>
+          </a:p>
+          <a:p>
+            <a:pPr defTabSz="518400"/>
+            <a:r>
+              <a:rPr lang="en-GB" dirty="0">
+                <a:solidFill>
+                  <a:srgbClr val="404040"/>
+                </a:solidFill>
+                <a:latin typeface="Lato" panose="020F0502020204030203" pitchFamily="34" charset="0"/>
+              </a:rPr>
+              <a:t>Set your target(s) to apply rules:</a:t>
+            </a:r>
+          </a:p>
+          <a:p>
+            <a:pPr defTabSz="518400"/>
+            <a:endParaRPr lang="en-GB" dirty="0">
+              <a:solidFill>
+                <a:srgbClr val="404040"/>
+              </a:solidFill>
+              <a:latin typeface="Lato" panose="020F0502020204030203" pitchFamily="34" charset="0"/>
+            </a:endParaRPr>
+          </a:p>
+          <a:p>
+            <a:pPr defTabSz="518400"/>
+            <a:r>
+              <a:rPr lang="en-GB" b="1" dirty="0">
+                <a:solidFill>
+                  <a:srgbClr val="404040"/>
+                </a:solidFill>
+                <a:latin typeface="Consolas" panose="020B0609020204030204" pitchFamily="49" charset="0"/>
+                <a:cs typeface="Consolas" panose="020B0609020204030204" pitchFamily="49" charset="0"/>
+              </a:rPr>
+              <a:t>r</a:t>
+            </a:r>
+            <a:r>
+              <a:rPr lang="en-GB" b="1" i="0" dirty="0">
+                <a:solidFill>
+                  <a:srgbClr val="404040"/>
+                </a:solidFill>
+                <a:effectLst/>
+                <a:latin typeface="Consolas" panose="020B0609020204030204" pitchFamily="49" charset="0"/>
+                <a:cs typeface="Consolas" panose="020B0609020204030204" pitchFamily="49" charset="0"/>
+              </a:rPr>
+              <a:t>ule </a:t>
+            </a:r>
+            <a:r>
+              <a:rPr lang="en-GB" b="1" dirty="0">
+                <a:solidFill>
+                  <a:srgbClr val="404040"/>
+                </a:solidFill>
+                <a:latin typeface="Consolas" panose="020B0609020204030204" pitchFamily="49" charset="0"/>
+                <a:cs typeface="Consolas" panose="020B0609020204030204" pitchFamily="49" charset="0"/>
+              </a:rPr>
+              <a:t>all</a:t>
+            </a:r>
+            <a:r>
+              <a:rPr lang="en-GB" b="1" i="0" dirty="0">
+                <a:solidFill>
+                  <a:srgbClr val="404040"/>
+                </a:solidFill>
+                <a:effectLst/>
+                <a:latin typeface="Consolas" panose="020B0609020204030204" pitchFamily="49" charset="0"/>
+                <a:cs typeface="Consolas" panose="020B0609020204030204" pitchFamily="49" charset="0"/>
+              </a:rPr>
+              <a:t>:</a:t>
+            </a:r>
+          </a:p>
+          <a:p>
+            <a:pPr defTabSz="518400"/>
+            <a:r>
+              <a:rPr lang="en-GB" b="1" i="0" dirty="0">
+                <a:solidFill>
+                  <a:srgbClr val="000000"/>
+                </a:solidFill>
+                <a:effectLst/>
+                <a:latin typeface="Consolas" panose="020B0609020204030204" pitchFamily="49" charset="0"/>
+                <a:cs typeface="Consolas" panose="020B0609020204030204" pitchFamily="49" charset="0"/>
+              </a:rPr>
+              <a:t>	input: </a:t>
+            </a:r>
+          </a:p>
+          <a:p>
+            <a:pPr defTabSz="518400"/>
+            <a:r>
+              <a:rPr lang="en-GB" b="1" dirty="0">
+                <a:solidFill>
+                  <a:srgbClr val="000000"/>
+                </a:solidFill>
+                <a:latin typeface="Consolas" panose="020B0609020204030204" pitchFamily="49" charset="0"/>
+                <a:cs typeface="Consolas" panose="020B0609020204030204" pitchFamily="49" charset="0"/>
+              </a:rPr>
+              <a:t>		</a:t>
+            </a:r>
+            <a:r>
+              <a:rPr lang="en-GB" b="1" i="0" dirty="0">
+                <a:solidFill>
+                  <a:srgbClr val="404040"/>
+                </a:solidFill>
+                <a:effectLst/>
+                <a:latin typeface="Consolas" panose="020B0609020204030204" pitchFamily="49" charset="0"/>
+                <a:cs typeface="Consolas" panose="020B0609020204030204" pitchFamily="49" charset="0"/>
+              </a:rPr>
+              <a:t>“</a:t>
+            </a:r>
+            <a:r>
+              <a:rPr lang="en-GB" b="1" i="0" dirty="0" err="1">
+                <a:solidFill>
+                  <a:srgbClr val="404040"/>
+                </a:solidFill>
+                <a:effectLst/>
+                <a:latin typeface="Consolas" panose="020B0609020204030204" pitchFamily="49" charset="0"/>
+                <a:cs typeface="Consolas" panose="020B0609020204030204" pitchFamily="49" charset="0"/>
+              </a:rPr>
+              <a:t>output.png</a:t>
+            </a:r>
+            <a:r>
+              <a:rPr lang="en-GB" b="1" i="0" dirty="0">
+                <a:solidFill>
+                  <a:srgbClr val="404040"/>
+                </a:solidFill>
+                <a:effectLst/>
+                <a:latin typeface="Consolas" panose="020B0609020204030204" pitchFamily="49" charset="0"/>
+                <a:cs typeface="Consolas" panose="020B0609020204030204" pitchFamily="49" charset="0"/>
+              </a:rPr>
+              <a:t>”</a:t>
+            </a:r>
+            <a:endParaRPr lang="en-GB" b="1" i="0" dirty="0">
+              <a:solidFill>
+                <a:srgbClr val="000000"/>
+              </a:solidFill>
+              <a:effectLst/>
+              <a:latin typeface="Consolas" panose="020B0609020204030204" pitchFamily="49" charset="0"/>
+              <a:cs typeface="Consolas" panose="020B0609020204030204" pitchFamily="49" charset="0"/>
+            </a:endParaRPr>
+          </a:p>
+          <a:p>
+            <a:pPr defTabSz="518400"/>
+            <a:endParaRPr lang="en-GB" dirty="0">
+              <a:solidFill>
+                <a:srgbClr val="404040"/>
+              </a:solidFill>
+              <a:latin typeface="Lato" panose="020F0502020204030203" pitchFamily="34" charset="0"/>
+            </a:endParaRPr>
+          </a:p>
+          <a:p>
+            <a:pPr defTabSz="518400"/>
+            <a:endParaRPr lang="en-GB" dirty="0">
+              <a:solidFill>
+                <a:srgbClr val="404040"/>
+              </a:solidFill>
+              <a:latin typeface="Lato" panose="020F0502020204030203" pitchFamily="34" charset="0"/>
+            </a:endParaRPr>
+          </a:p>
+          <a:p>
+            <a:pPr defTabSz="518400"/>
+            <a:r>
+              <a:rPr lang="en-GB" dirty="0">
+                <a:solidFill>
+                  <a:srgbClr val="404040"/>
+                </a:solidFill>
+                <a:latin typeface="Lato" panose="020F0502020204030203" pitchFamily="34" charset="0"/>
+              </a:rPr>
+              <a:t>DATASETS=[“D1”,”D2”, “D3”]</a:t>
+            </a:r>
+          </a:p>
+          <a:p>
+            <a:pPr defTabSz="518400"/>
+            <a:endParaRPr lang="en-GB" dirty="0">
+              <a:solidFill>
+                <a:srgbClr val="404040"/>
+              </a:solidFill>
+              <a:latin typeface="Lato" panose="020F0502020204030203" pitchFamily="34" charset="0"/>
+            </a:endParaRPr>
+          </a:p>
+          <a:p>
+            <a:pPr defTabSz="518400"/>
+            <a:r>
+              <a:rPr lang="en-GB" b="1" dirty="0">
+                <a:solidFill>
+                  <a:srgbClr val="000000"/>
+                </a:solidFill>
+                <a:latin typeface="Consolas" panose="020B0609020204030204" pitchFamily="49" charset="0"/>
+                <a:cs typeface="Consolas" panose="020B0609020204030204" pitchFamily="49" charset="0"/>
+              </a:rPr>
+              <a:t>rule all: </a:t>
+            </a:r>
+          </a:p>
+          <a:p>
+            <a:pPr defTabSz="518400"/>
+            <a:r>
+              <a:rPr lang="en-GB" b="1" dirty="0">
+                <a:solidFill>
+                  <a:srgbClr val="000000"/>
+                </a:solidFill>
+                <a:latin typeface="Consolas" panose="020B0609020204030204" pitchFamily="49" charset="0"/>
+                <a:cs typeface="Consolas" panose="020B0609020204030204" pitchFamily="49" charset="0"/>
+              </a:rPr>
+              <a:t>	input:</a:t>
+            </a:r>
+          </a:p>
+          <a:p>
+            <a:pPr defTabSz="518400"/>
+            <a:r>
+              <a:rPr lang="en-GB" b="1" dirty="0">
+                <a:solidFill>
+                  <a:srgbClr val="000000"/>
+                </a:solidFill>
+                <a:latin typeface="Consolas" panose="020B0609020204030204" pitchFamily="49" charset="0"/>
+                <a:cs typeface="Consolas" panose="020B0609020204030204" pitchFamily="49" charset="0"/>
+              </a:rPr>
+              <a:t>		["{dataset}.</a:t>
+            </a:r>
+            <a:r>
+              <a:rPr lang="en-GB" b="1" dirty="0" err="1">
+                <a:solidFill>
+                  <a:srgbClr val="000000"/>
+                </a:solidFill>
+                <a:latin typeface="Consolas" panose="020B0609020204030204" pitchFamily="49" charset="0"/>
+                <a:cs typeface="Consolas" panose="020B0609020204030204" pitchFamily="49" charset="0"/>
+              </a:rPr>
+              <a:t>sorted.txt".format</a:t>
+            </a:r>
+            <a:r>
+              <a:rPr lang="en-GB" b="1" dirty="0">
+                <a:solidFill>
+                  <a:srgbClr val="000000"/>
+                </a:solidFill>
+                <a:latin typeface="Consolas" panose="020B0609020204030204" pitchFamily="49" charset="0"/>
+                <a:cs typeface="Consolas" panose="020B0609020204030204" pitchFamily="49" charset="0"/>
+              </a:rPr>
+              <a:t>(dataset=ds) for ds in DATASETS],</a:t>
+            </a:r>
+          </a:p>
+          <a:p>
+            <a:pPr defTabSz="518400"/>
+            <a:r>
+              <a:rPr lang="en-GB" b="1" dirty="0">
+                <a:solidFill>
+                  <a:srgbClr val="000000"/>
+                </a:solidFill>
+                <a:latin typeface="Consolas" panose="020B0609020204030204" pitchFamily="49" charset="0"/>
+                <a:cs typeface="Consolas" panose="020B0609020204030204" pitchFamily="49" charset="0"/>
+              </a:rPr>
+              <a:t>		expand(“{dataset}.</a:t>
+            </a:r>
+            <a:r>
+              <a:rPr lang="en-GB" b="1" dirty="0" err="1">
+                <a:solidFill>
+                  <a:srgbClr val="000000"/>
+                </a:solidFill>
+                <a:latin typeface="Consolas" panose="020B0609020204030204" pitchFamily="49" charset="0"/>
+                <a:cs typeface="Consolas" panose="020B0609020204030204" pitchFamily="49" charset="0"/>
+              </a:rPr>
+              <a:t>sorted.txt</a:t>
+            </a:r>
+            <a:r>
+              <a:rPr lang="en-GB" b="1" dirty="0">
+                <a:solidFill>
+                  <a:srgbClr val="000000"/>
+                </a:solidFill>
+                <a:latin typeface="Consolas" panose="020B0609020204030204" pitchFamily="49" charset="0"/>
+                <a:cs typeface="Consolas" panose="020B0609020204030204" pitchFamily="49" charset="0"/>
+              </a:rPr>
+              <a:t>”, dataset=DATASET)</a:t>
+            </a:r>
+          </a:p>
+        </p:txBody>
+      </p:sp>
+    </p:spTree>
+    <p:extLst>
+      <p:ext uri="{BB962C8B-B14F-4D97-AF65-F5344CB8AC3E}">
+        <p14:creationId xmlns:p14="http://schemas.microsoft.com/office/powerpoint/2010/main" val="3122905325"/>
+      </p:ext>
+    </p:extLst>
+  </p:cSld>
+  <p:clrMapOvr>
+    <a:masterClrMapping/>
+  </p:clrMapOvr>
+</p:sld>
+</file>
+
+<file path=ppt/slides/slide11.xml><?xml version="1.0" encoding="utf-8"?>
+<p:sld xmlns:a="http://schemas.openxmlformats.org/drawingml/2006/main" xmlns:r="http://schemas.openxmlformats.org/officeDocument/2006/relationships" xmlns:p="http://schemas.openxmlformats.org/presentationml/2006/main">
+  <p:cSld>
+    <p:spTree>
+      <p:nvGrpSpPr>
+        <p:cNvPr id="1" name=""/>
+        <p:cNvGrpSpPr/>
+        <p:nvPr/>
+      </p:nvGrpSpPr>
+      <p:grpSpPr>
+        <a:xfrm>
+          <a:off x="0" y="0"/>
+          <a:ext cx="0" cy="0"/>
+          <a:chOff x="0" y="0"/>
+          <a:chExt cx="0" cy="0"/>
+        </a:xfrm>
+      </p:grpSpPr>
+      <p:sp>
+        <p:nvSpPr>
           <p:cNvPr id="5" name="TextBox 4">
             <a:extLst>
               <a:ext uri="{FF2B5EF4-FFF2-40B4-BE49-F238E27FC236}">
@@ -5065,7 +5515,7 @@
 </p:sld>
 </file>
 
-<file path=ppt/slides/slide11.xml><?xml version="1.0" encoding="utf-8"?>
+<file path=ppt/slides/slide12.xml><?xml version="1.0" encoding="utf-8"?>
 <p:sld xmlns:a="http://schemas.openxmlformats.org/drawingml/2006/main" xmlns:r="http://schemas.openxmlformats.org/officeDocument/2006/relationships" xmlns:p="http://schemas.openxmlformats.org/presentationml/2006/main">
   <p:cSld>
     <p:spTree>
@@ -5143,7 +5593,7 @@
             <a:fld id="{00000000-1234-1234-1234-123412341234}" type="slidenum">
               <a:rPr lang="da" smtClean="0"/>
               <a:pPr/>
-              <a:t>11</a:t>
+              <a:t>12</a:t>
             </a:fld>
             <a:endParaRPr lang="da"/>
           </a:p>
@@ -7319,60 +7769,154 @@
       </p:grpSpPr>
       <p:sp>
         <p:nvSpPr>
-          <p:cNvPr id="2" name="Title 1">
-            <a:extLst>
-              <a:ext uri="{FF2B5EF4-FFF2-40B4-BE49-F238E27FC236}">
-                <a16:creationId xmlns:a16="http://schemas.microsoft.com/office/drawing/2014/main" id="{DC4C3450-7DE4-12E9-055B-2CF9AC022246}"/>
-              </a:ext>
-            </a:extLst>
-          </p:cNvPr>
-          <p:cNvSpPr txBox="1">
-            <a:spLocks/>
-          </p:cNvSpPr>
+          <p:cNvPr id="3" name="TextBox 2">
+            <a:extLst>
+              <a:ext uri="{FF2B5EF4-FFF2-40B4-BE49-F238E27FC236}">
+                <a16:creationId xmlns:a16="http://schemas.microsoft.com/office/drawing/2014/main" id="{588C85A5-D56C-DB39-A8CA-973520B8AFCE}"/>
+              </a:ext>
+            </a:extLst>
+          </p:cNvPr>
+          <p:cNvSpPr txBox="1"/>
           <p:nvPr/>
         </p:nvSpPr>
         <p:spPr>
           <a:xfrm>
-            <a:off x="3547110" y="2688273"/>
-            <a:ext cx="9144000" cy="2387600"/>
+            <a:off x="926592" y="643622"/>
+            <a:ext cx="10338816" cy="5570756"/>
           </a:xfrm>
           <a:prstGeom prst="rect">
             <a:avLst/>
           </a:prstGeom>
+          <a:noFill/>
         </p:spPr>
         <p:txBody>
-          <a:bodyPr/>
-          <a:lstStyle>
-            <a:lvl1pPr algn="l" defTabSz="914400" rtl="0" eaLnBrk="1" latinLnBrk="0" hangingPunct="1">
-              <a:lnSpc>
-                <a:spcPct val="90000"/>
-              </a:lnSpc>
-              <a:spcBef>
-                <a:spcPct val="0"/>
-              </a:spcBef>
-              <a:buNone/>
-              <a:defRPr sz="4400" kern="1200">
-                <a:solidFill>
-                  <a:schemeClr val="tx1"/>
-                </a:solidFill>
-                <a:latin typeface="+mj-lt"/>
-                <a:ea typeface="+mj-ea"/>
-                <a:cs typeface="+mj-cs"/>
-              </a:defRPr>
-            </a:lvl1pPr>
-          </a:lstStyle>
-          <a:p>
-            <a:r>
-              <a:rPr lang="en-GB" dirty="0"/>
-              <a:t>Why </a:t>
-            </a:r>
-            <a:r>
-              <a:rPr lang="en-GB" dirty="0" err="1"/>
-              <a:t>Snakemake</a:t>
-            </a:r>
-            <a:r>
-              <a:rPr lang="en-GB" dirty="0"/>
-              <a:t>? </a:t>
+          <a:bodyPr wrap="square">
+            <a:spAutoFit/>
+          </a:bodyPr>
+          <a:lstStyle/>
+          <a:p>
+            <a:r>
+              <a:rPr lang="en-GB" sz="2800" b="1" dirty="0"/>
+              <a:t>Are ancient individuals’ ancestries (and their genetic diversity) well captured by reference panels of present-day individuals?</a:t>
+            </a:r>
+          </a:p>
+          <a:p>
+            <a:endParaRPr lang="en-GB" sz="2000" dirty="0"/>
+          </a:p>
+          <a:p>
+            <a:r>
+              <a:rPr lang="en-GB" sz="2000" dirty="0"/>
+              <a:t>General things to consider:</a:t>
+            </a:r>
+          </a:p>
+          <a:p>
+            <a:pPr marL="742950" lvl="1" indent="-285750">
+              <a:buFont typeface="Arial" panose="020B0604020202020204" pitchFamily="34" charset="0"/>
+              <a:buChar char="•"/>
+            </a:pPr>
+            <a:r>
+              <a:rPr lang="en-GB" sz="2000" dirty="0"/>
+              <a:t>Reference panel</a:t>
+            </a:r>
+          </a:p>
+          <a:p>
+            <a:pPr marL="742950" lvl="1" indent="-285750">
+              <a:buFont typeface="Arial" panose="020B0604020202020204" pitchFamily="34" charset="0"/>
+              <a:buChar char="•"/>
+            </a:pPr>
+            <a:r>
+              <a:rPr lang="en-GB" sz="2000" dirty="0"/>
+              <a:t>Common variants (MAF &gt; 0.5%)</a:t>
+            </a:r>
+          </a:p>
+          <a:p>
+            <a:pPr marL="742950" lvl="1" indent="-285750">
+              <a:buFont typeface="Arial" panose="020B0604020202020204" pitchFamily="34" charset="0"/>
+              <a:buChar char="•"/>
+            </a:pPr>
+            <a:r>
+              <a:rPr lang="en-GB" sz="2000" dirty="0"/>
+              <a:t>Minimum coverage 0.5X</a:t>
+            </a:r>
+          </a:p>
+          <a:p>
+            <a:pPr marL="742950" lvl="1" indent="-285750">
+              <a:buFont typeface="Arial" panose="020B0604020202020204" pitchFamily="34" charset="0"/>
+              <a:buChar char="•"/>
+            </a:pPr>
+            <a:r>
+              <a:rPr lang="en-GB" sz="2000" dirty="0"/>
+              <a:t>Sample age (&gt;30kya, due to coalescent time) – very low accuracy for rare variants </a:t>
+            </a:r>
+          </a:p>
+          <a:p>
+            <a:pPr marL="742950" lvl="1" indent="-285750">
+              <a:buFont typeface="Arial" panose="020B0604020202020204" pitchFamily="34" charset="0"/>
+              <a:buChar char="•"/>
+            </a:pPr>
+            <a:r>
+              <a:rPr lang="en-GB" sz="2000" dirty="0"/>
+              <a:t>Genetic distance to the reference panel (underrepresented ancestries, i.e.: African populations)</a:t>
+            </a:r>
+          </a:p>
+          <a:p>
+            <a:pPr marL="742950" lvl="1" indent="-285750">
+              <a:buFont typeface="Arial" panose="020B0604020202020204" pitchFamily="34" charset="0"/>
+              <a:buChar char="•"/>
+            </a:pPr>
+            <a:r>
+              <a:rPr lang="en-GB" sz="2000" dirty="0"/>
+              <a:t>GP (genotype probabilities) filtering – key for very low coverage samples (0.1X)</a:t>
+            </a:r>
+          </a:p>
+          <a:p>
+            <a:pPr marL="742950" lvl="1" indent="-285750">
+              <a:buFont typeface="Arial" panose="020B0604020202020204" pitchFamily="34" charset="0"/>
+              <a:buChar char="•"/>
+            </a:pPr>
+            <a:r>
+              <a:rPr lang="en-GB" sz="2000" dirty="0"/>
+              <a:t>Capture data (&gt; 2X): less accurate at rare variants (MAF &gt; 0.5) but better intersection at 1240k and 1000GP</a:t>
+            </a:r>
+          </a:p>
+          <a:p>
+            <a:pPr marL="742950" lvl="1" indent="-285750">
+              <a:buFont typeface="Arial" panose="020B0604020202020204" pitchFamily="34" charset="0"/>
+              <a:buChar char="•"/>
+            </a:pPr>
+            <a:r>
+              <a:rPr lang="en-GB" sz="2000" dirty="0"/>
+              <a:t>0.1X – can be imputed if ancestry is relatively close to the reference. Filtering:</a:t>
+            </a:r>
+          </a:p>
+          <a:p>
+            <a:pPr marL="1200150" lvl="2" indent="-285750">
+              <a:buFont typeface="Arial" panose="020B0604020202020204" pitchFamily="34" charset="0"/>
+              <a:buChar char="•"/>
+            </a:pPr>
+            <a:r>
+              <a:rPr lang="en-GB" sz="2000" dirty="0"/>
+              <a:t>GP &gt; 0.8</a:t>
+            </a:r>
+          </a:p>
+          <a:p>
+            <a:pPr marL="1200150" lvl="2" indent="-285750">
+              <a:buFont typeface="Arial" panose="020B0604020202020204" pitchFamily="34" charset="0"/>
+              <a:buChar char="•"/>
+            </a:pPr>
+            <a:r>
+              <a:rPr lang="en-GB" sz="2000" dirty="0"/>
+              <a:t>MAF &gt; 0.5</a:t>
+            </a:r>
+          </a:p>
+          <a:p>
+            <a:pPr marL="1200150" lvl="2" indent="-285750">
+              <a:buFont typeface="Arial" panose="020B0604020202020204" pitchFamily="34" charset="0"/>
+              <a:buChar char="•"/>
+            </a:pPr>
+            <a:r>
+              <a:rPr lang="en-GB" sz="2000" dirty="0"/>
+              <a:t>Low coverage == negative effect on downstream analyses (i.e.: admixture analyses)</a:t>
             </a:r>
           </a:p>
         </p:txBody>
@@ -7380,7 +7924,7 @@
     </p:spTree>
     <p:extLst>
       <p:ext uri="{BB962C8B-B14F-4D97-AF65-F5344CB8AC3E}">
-        <p14:creationId xmlns:p14="http://schemas.microsoft.com/office/powerpoint/2010/main" val="2811718049"/>
+        <p14:creationId xmlns:p14="http://schemas.microsoft.com/office/powerpoint/2010/main" val="2449193191"/>
       </p:ext>
     </p:extLst>
   </p:cSld>
@@ -7409,564 +7953,60 @@
       </p:grpSpPr>
       <p:sp>
         <p:nvSpPr>
-          <p:cNvPr id="3" name="TextBox 2">
-            <a:extLst>
-              <a:ext uri="{FF2B5EF4-FFF2-40B4-BE49-F238E27FC236}">
-                <a16:creationId xmlns:a16="http://schemas.microsoft.com/office/drawing/2014/main" id="{2FF37B39-E30F-E25B-F621-B0377BBF1FF4}"/>
-              </a:ext>
-            </a:extLst>
-          </p:cNvPr>
-          <p:cNvSpPr txBox="1"/>
+          <p:cNvPr id="2" name="Title 1">
+            <a:extLst>
+              <a:ext uri="{FF2B5EF4-FFF2-40B4-BE49-F238E27FC236}">
+                <a16:creationId xmlns:a16="http://schemas.microsoft.com/office/drawing/2014/main" id="{DC4C3450-7DE4-12E9-055B-2CF9AC022246}"/>
+              </a:ext>
+            </a:extLst>
+          </p:cNvPr>
+          <p:cNvSpPr txBox="1">
+            <a:spLocks/>
+          </p:cNvSpPr>
           <p:nvPr/>
         </p:nvSpPr>
         <p:spPr>
           <a:xfrm>
-            <a:off x="1025842" y="612844"/>
-            <a:ext cx="10884218" cy="3970318"/>
+            <a:off x="3547110" y="2688273"/>
+            <a:ext cx="9144000" cy="2387600"/>
           </a:xfrm>
           <a:prstGeom prst="rect">
             <a:avLst/>
           </a:prstGeom>
-          <a:noFill/>
         </p:spPr>
         <p:txBody>
-          <a:bodyPr wrap="square">
-            <a:spAutoFit/>
-          </a:bodyPr>
-          <a:lstStyle/>
-          <a:p>
-            <a:r>
-              <a:rPr lang="en-GB" dirty="0" err="1">
-                <a:solidFill>
-                  <a:srgbClr val="000000"/>
-                </a:solidFill>
-                <a:latin typeface="Open Sans" panose="020F0502020204030204" pitchFamily="34" charset="0"/>
-              </a:rPr>
+          <a:bodyPr/>
+          <a:lstStyle>
+            <a:lvl1pPr algn="l" defTabSz="914400" rtl="0" eaLnBrk="1" latinLnBrk="0" hangingPunct="1">
+              <a:lnSpc>
+                <a:spcPct val="90000"/>
+              </a:lnSpc>
+              <a:spcBef>
+                <a:spcPct val="0"/>
+              </a:spcBef>
+              <a:buNone/>
+              <a:defRPr sz="4400" kern="1200">
+                <a:solidFill>
+                  <a:schemeClr val="tx1"/>
+                </a:solidFill>
+                <a:latin typeface="+mj-lt"/>
+                <a:ea typeface="+mj-ea"/>
+                <a:cs typeface="+mj-cs"/>
+              </a:defRPr>
+            </a:lvl1pPr>
+          </a:lstStyle>
+          <a:p>
+            <a:r>
+              <a:rPr lang="en-GB" dirty="0"/>
+              <a:t>Why </a:t>
+            </a:r>
+            <a:r>
+              <a:rPr lang="en-GB" dirty="0" err="1"/>
               <a:t>Snakemake</a:t>
             </a:r>
             <a:r>
-              <a:rPr lang="en-GB" dirty="0">
-                <a:solidFill>
-                  <a:srgbClr val="000000"/>
-                </a:solidFill>
-                <a:latin typeface="Open Sans" panose="020F0502020204030204" pitchFamily="34" charset="0"/>
-              </a:rPr>
-              <a:t> </a:t>
-            </a:r>
-            <a:r>
-              <a:rPr lang="en-GB" b="0" i="0" dirty="0">
-                <a:solidFill>
-                  <a:srgbClr val="404040"/>
-                </a:solidFill>
-                <a:effectLst/>
-                <a:latin typeface="Lato" panose="020F0502020204030203" pitchFamily="34" charset="0"/>
-              </a:rPr>
-              <a:t>is </a:t>
-            </a:r>
-            <a:r>
-              <a:rPr lang="en-GB" dirty="0">
-                <a:solidFill>
-                  <a:srgbClr val="000000"/>
-                </a:solidFill>
-                <a:latin typeface="Open Sans" panose="020F0502020204030204" pitchFamily="34" charset="0"/>
-              </a:rPr>
-              <a:t>an </a:t>
-            </a:r>
-            <a:r>
-              <a:rPr lang="en-GB" b="0" i="0" dirty="0">
-                <a:solidFill>
-                  <a:srgbClr val="404040"/>
-                </a:solidFill>
-                <a:effectLst/>
-                <a:latin typeface="Lato" panose="020F0502020204030203" pitchFamily="34" charset="0"/>
-              </a:rPr>
-              <a:t>extension of </a:t>
-            </a:r>
-            <a:r>
-              <a:rPr lang="en-GB" b="0" i="0" u="sng" dirty="0">
-                <a:solidFill>
-                  <a:srgbClr val="039475"/>
-                </a:solidFill>
-                <a:effectLst/>
-                <a:latin typeface="Lato" panose="020F0502020204030203" pitchFamily="34" charset="0"/>
-                <a:hlinkClick r:id="rId3"/>
-              </a:rPr>
-              <a:t>Python</a:t>
-            </a:r>
-            <a:r>
-              <a:rPr lang="en-GB" b="0" i="0" dirty="0">
-                <a:solidFill>
-                  <a:srgbClr val="404040"/>
-                </a:solidFill>
-                <a:effectLst/>
-                <a:latin typeface="Lato" panose="020F0502020204030203" pitchFamily="34" charset="0"/>
-              </a:rPr>
-              <a:t> with syntax to define rules and workflow specific properties.</a:t>
-            </a:r>
-          </a:p>
-          <a:p>
-            <a:endParaRPr lang="en-GB" dirty="0">
-              <a:solidFill>
-                <a:srgbClr val="404040"/>
-              </a:solidFill>
-              <a:latin typeface="Lato" panose="020F0502020204030203" pitchFamily="34" charset="0"/>
-            </a:endParaRPr>
-          </a:p>
-          <a:p>
-            <a:r>
-              <a:rPr lang="en-GB" b="0" i="0" dirty="0" err="1">
-                <a:solidFill>
-                  <a:srgbClr val="404040"/>
-                </a:solidFill>
-                <a:effectLst/>
-                <a:latin typeface="Lato" panose="020F0502020204030203" pitchFamily="34" charset="0"/>
-              </a:rPr>
-              <a:t>Snakemake</a:t>
-            </a:r>
-            <a:r>
-              <a:rPr lang="en-GB" b="0" i="0" dirty="0">
-                <a:solidFill>
-                  <a:srgbClr val="404040"/>
-                </a:solidFill>
-                <a:effectLst/>
-                <a:latin typeface="Lato" panose="020F0502020204030203" pitchFamily="34" charset="0"/>
-              </a:rPr>
-              <a:t> tutorial slides: </a:t>
-            </a:r>
-            <a:r>
-              <a:rPr lang="en-GB" b="0" i="0" dirty="0">
-                <a:solidFill>
-                  <a:srgbClr val="404040"/>
-                </a:solidFill>
-                <a:effectLst/>
-                <a:latin typeface="Lato" panose="020F0502020204030203" pitchFamily="34" charset="0"/>
-                <a:hlinkClick r:id="rId4"/>
-              </a:rPr>
-              <a:t>https://slides.com/johanneskoester/snakemake-tutorial</a:t>
-            </a:r>
-            <a:r>
-              <a:rPr lang="en-GB" b="0" i="0" dirty="0">
-                <a:solidFill>
-                  <a:srgbClr val="404040"/>
-                </a:solidFill>
-                <a:effectLst/>
-                <a:latin typeface="Lato" panose="020F0502020204030203" pitchFamily="34" charset="0"/>
-              </a:rPr>
-              <a:t> </a:t>
-            </a:r>
-          </a:p>
-          <a:p>
-            <a:endParaRPr lang="en-GB" b="0" i="0" dirty="0">
-              <a:solidFill>
-                <a:srgbClr val="404040"/>
-              </a:solidFill>
-              <a:effectLst/>
-              <a:latin typeface="Lato" panose="020F0502020204030203" pitchFamily="34" charset="0"/>
-            </a:endParaRPr>
-          </a:p>
-          <a:p>
-            <a:r>
-              <a:rPr lang="en-GB" dirty="0">
-                <a:solidFill>
-                  <a:srgbClr val="404040"/>
-                </a:solidFill>
-                <a:latin typeface="Lato" panose="020F0502020204030203" pitchFamily="34" charset="0"/>
-              </a:rPr>
-              <a:t>The workflow is defined in terms of </a:t>
-            </a:r>
-            <a:r>
-              <a:rPr lang="en-GB" b="1" dirty="0">
-                <a:solidFill>
-                  <a:srgbClr val="404040"/>
-                </a:solidFill>
-                <a:latin typeface="Lato" panose="020F0502020204030203" pitchFamily="34" charset="0"/>
-              </a:rPr>
-              <a:t>rules </a:t>
-            </a:r>
-            <a:r>
-              <a:rPr lang="en-GB" dirty="0">
-                <a:solidFill>
-                  <a:srgbClr val="404040"/>
-                </a:solidFill>
-                <a:latin typeface="Lato" panose="020F0502020204030203" pitchFamily="34" charset="0"/>
-              </a:rPr>
-              <a:t>that define how to create output files from input files</a:t>
-            </a:r>
-          </a:p>
-          <a:p>
-            <a:endParaRPr lang="en-GB" dirty="0">
-              <a:solidFill>
-                <a:srgbClr val="404040"/>
-              </a:solidFill>
-              <a:latin typeface="Lato" panose="020F0502020204030203" pitchFamily="34" charset="0"/>
-            </a:endParaRPr>
-          </a:p>
-          <a:p>
-            <a:pPr defTabSz="518400"/>
-            <a:r>
-              <a:rPr lang="en-GB" b="1" dirty="0">
-                <a:solidFill>
-                  <a:srgbClr val="404040"/>
-                </a:solidFill>
-                <a:latin typeface="Consolas" panose="020B0609020204030204" pitchFamily="49" charset="0"/>
-                <a:cs typeface="Consolas" panose="020B0609020204030204" pitchFamily="49" charset="0"/>
-              </a:rPr>
-              <a:t>rule </a:t>
-            </a:r>
-            <a:r>
-              <a:rPr lang="en-GB" b="1" dirty="0" err="1">
-                <a:solidFill>
-                  <a:srgbClr val="404040"/>
-                </a:solidFill>
-                <a:latin typeface="Consolas" panose="020B0609020204030204" pitchFamily="49" charset="0"/>
-                <a:cs typeface="Consolas" panose="020B0609020204030204" pitchFamily="49" charset="0"/>
-              </a:rPr>
-              <a:t>my_first_rule</a:t>
-            </a:r>
-            <a:r>
-              <a:rPr lang="en-GB" b="1" dirty="0">
-                <a:solidFill>
-                  <a:srgbClr val="404040"/>
-                </a:solidFill>
-                <a:latin typeface="Consolas" panose="020B0609020204030204" pitchFamily="49" charset="0"/>
-                <a:cs typeface="Consolas" panose="020B0609020204030204" pitchFamily="49" charset="0"/>
-              </a:rPr>
-              <a:t>:</a:t>
-            </a:r>
-          </a:p>
-          <a:p>
-            <a:pPr defTabSz="518400"/>
-            <a:r>
-              <a:rPr lang="en-GB" b="1" i="0" dirty="0">
-                <a:solidFill>
-                  <a:srgbClr val="404040"/>
-                </a:solidFill>
-                <a:effectLst/>
-                <a:latin typeface="Consolas" panose="020B0609020204030204" pitchFamily="49" charset="0"/>
-                <a:cs typeface="Consolas" panose="020B0609020204030204" pitchFamily="49" charset="0"/>
-              </a:rPr>
-              <a:t>	input: “</a:t>
-            </a:r>
-            <a:r>
-              <a:rPr lang="en-GB" b="1" i="0" dirty="0" err="1">
-                <a:solidFill>
-                  <a:srgbClr val="404040"/>
-                </a:solidFill>
-                <a:effectLst/>
-                <a:latin typeface="Consolas" panose="020B0609020204030204" pitchFamily="49" charset="0"/>
-                <a:cs typeface="Consolas" panose="020B0609020204030204" pitchFamily="49" charset="0"/>
-              </a:rPr>
-              <a:t>input.txt</a:t>
-            </a:r>
-            <a:r>
-              <a:rPr lang="en-GB" b="1" i="0" dirty="0">
-                <a:solidFill>
-                  <a:srgbClr val="404040"/>
-                </a:solidFill>
-                <a:effectLst/>
-                <a:latin typeface="Consolas" panose="020B0609020204030204" pitchFamily="49" charset="0"/>
-                <a:cs typeface="Consolas" panose="020B0609020204030204" pitchFamily="49" charset="0"/>
-              </a:rPr>
-              <a:t>”</a:t>
-            </a:r>
-          </a:p>
-          <a:p>
-            <a:pPr defTabSz="518400"/>
-            <a:r>
-              <a:rPr lang="en-GB" b="1" dirty="0">
-                <a:solidFill>
-                  <a:srgbClr val="404040"/>
-                </a:solidFill>
-                <a:latin typeface="Consolas" panose="020B0609020204030204" pitchFamily="49" charset="0"/>
-                <a:cs typeface="Consolas" panose="020B0609020204030204" pitchFamily="49" charset="0"/>
-              </a:rPr>
-              <a:t>	output: “</a:t>
-            </a:r>
-            <a:r>
-              <a:rPr lang="en-GB" b="1" dirty="0" err="1">
-                <a:solidFill>
-                  <a:srgbClr val="404040"/>
-                </a:solidFill>
-                <a:latin typeface="Consolas" panose="020B0609020204030204" pitchFamily="49" charset="0"/>
-                <a:cs typeface="Consolas" panose="020B0609020204030204" pitchFamily="49" charset="0"/>
-              </a:rPr>
-              <a:t>output.txt</a:t>
-            </a:r>
-            <a:r>
-              <a:rPr lang="en-GB" b="1" dirty="0">
-                <a:solidFill>
-                  <a:srgbClr val="404040"/>
-                </a:solidFill>
-                <a:latin typeface="Consolas" panose="020B0609020204030204" pitchFamily="49" charset="0"/>
-                <a:cs typeface="Consolas" panose="020B0609020204030204" pitchFamily="49" charset="0"/>
-              </a:rPr>
-              <a:t>”</a:t>
-            </a:r>
-          </a:p>
-          <a:p>
-            <a:pPr defTabSz="518400"/>
-            <a:r>
-              <a:rPr lang="en-GB" b="1" i="0" dirty="0">
-                <a:solidFill>
-                  <a:srgbClr val="404040"/>
-                </a:solidFill>
-                <a:effectLst/>
-                <a:latin typeface="Consolas" panose="020B0609020204030204" pitchFamily="49" charset="0"/>
-                <a:cs typeface="Consolas" panose="020B0609020204030204" pitchFamily="49" charset="0"/>
-              </a:rPr>
-              <a:t>	shell: “</a:t>
-            </a:r>
-            <a:r>
-              <a:rPr lang="en-GB" b="1" i="0" dirty="0" err="1">
-                <a:solidFill>
-                  <a:srgbClr val="404040"/>
-                </a:solidFill>
-                <a:effectLst/>
-                <a:latin typeface="Consolas" panose="020B0609020204030204" pitchFamily="49" charset="0"/>
-                <a:cs typeface="Consolas" panose="020B0609020204030204" pitchFamily="49" charset="0"/>
-              </a:rPr>
-              <a:t>mycommand</a:t>
-            </a:r>
-            <a:r>
-              <a:rPr lang="en-GB" b="1" i="0" dirty="0">
-                <a:solidFill>
-                  <a:srgbClr val="404040"/>
-                </a:solidFill>
-                <a:effectLst/>
-                <a:latin typeface="Consolas" panose="020B0609020204030204" pitchFamily="49" charset="0"/>
-                <a:cs typeface="Consolas" panose="020B0609020204030204" pitchFamily="49" charset="0"/>
-              </a:rPr>
-              <a:t> {input} {output}”</a:t>
-            </a:r>
-          </a:p>
-          <a:p>
-            <a:pPr defTabSz="518400"/>
-            <a:endParaRPr lang="en-GB" b="1" dirty="0">
-              <a:solidFill>
-                <a:srgbClr val="404040"/>
-              </a:solidFill>
-              <a:latin typeface="Consolas" panose="020B0609020204030204" pitchFamily="49" charset="0"/>
-              <a:cs typeface="Consolas" panose="020B0609020204030204" pitchFamily="49" charset="0"/>
-            </a:endParaRPr>
-          </a:p>
-          <a:p>
-            <a:pPr algn="l" fontAlgn="base"/>
-            <a:r>
-              <a:rPr lang="en-GB" dirty="0">
-                <a:solidFill>
-                  <a:srgbClr val="000000"/>
-                </a:solidFill>
-                <a:latin typeface="Open Sans" panose="020B0606030504020204" pitchFamily="34" charset="0"/>
-              </a:rPr>
-              <a:t>How to </a:t>
-            </a:r>
-            <a:r>
-              <a:rPr lang="en-GB" b="0" i="0" dirty="0">
-                <a:solidFill>
-                  <a:srgbClr val="000000"/>
-                </a:solidFill>
-                <a:effectLst/>
-                <a:latin typeface="Open Sans" panose="020B0606030504020204" pitchFamily="34" charset="0"/>
-              </a:rPr>
-              <a:t>generalize rules?  using </a:t>
-            </a:r>
-            <a:r>
-              <a:rPr lang="en-GB" b="1" i="0" dirty="0">
-                <a:solidFill>
-                  <a:srgbClr val="000000"/>
-                </a:solidFill>
-                <a:effectLst/>
-                <a:latin typeface="Open Sans" panose="020B0606030504020204" pitchFamily="34" charset="0"/>
-              </a:rPr>
-              <a:t>named wildcards</a:t>
-            </a:r>
-          </a:p>
-          <a:p>
-            <a:pPr defTabSz="518400"/>
-            <a:endParaRPr lang="en-GB" b="1" i="0" dirty="0">
-              <a:solidFill>
-                <a:srgbClr val="404040"/>
-              </a:solidFill>
-              <a:effectLst/>
-              <a:latin typeface="Consolas" panose="020B0609020204030204" pitchFamily="49" charset="0"/>
-              <a:cs typeface="Consolas" panose="020B0609020204030204" pitchFamily="49" charset="0"/>
-            </a:endParaRPr>
-          </a:p>
-          <a:p>
-            <a:endParaRPr lang="en-GB" dirty="0"/>
-          </a:p>
-        </p:txBody>
-      </p:sp>
-      <p:sp>
-        <p:nvSpPr>
-          <p:cNvPr id="4" name="TextBox 3">
-            <a:extLst>
-              <a:ext uri="{FF2B5EF4-FFF2-40B4-BE49-F238E27FC236}">
-                <a16:creationId xmlns:a16="http://schemas.microsoft.com/office/drawing/2014/main" id="{BB34665F-3C8E-D02F-0E3A-46CFDB417E8E}"/>
-              </a:ext>
-            </a:extLst>
-          </p:cNvPr>
-          <p:cNvSpPr txBox="1"/>
-          <p:nvPr/>
-        </p:nvSpPr>
-        <p:spPr>
-          <a:xfrm>
-            <a:off x="1025842" y="4130516"/>
-            <a:ext cx="6097904" cy="1477328"/>
-          </a:xfrm>
-          <a:prstGeom prst="rect">
-            <a:avLst/>
-          </a:prstGeom>
-          <a:noFill/>
-        </p:spPr>
-        <p:txBody>
-          <a:bodyPr wrap="square">
-            <a:spAutoFit/>
-          </a:bodyPr>
-          <a:lstStyle/>
-          <a:p>
-            <a:endParaRPr lang="en-GB" dirty="0">
-              <a:solidFill>
-                <a:srgbClr val="404040"/>
-              </a:solidFill>
-              <a:latin typeface="Lato" panose="020F0502020204030203" pitchFamily="34" charset="0"/>
-            </a:endParaRPr>
-          </a:p>
-          <a:p>
-            <a:pPr defTabSz="518400"/>
-            <a:r>
-              <a:rPr lang="en-GB" b="1" dirty="0">
-                <a:solidFill>
-                  <a:srgbClr val="404040"/>
-                </a:solidFill>
-                <a:latin typeface="Consolas" panose="020B0609020204030204" pitchFamily="49" charset="0"/>
-                <a:cs typeface="Consolas" panose="020B0609020204030204" pitchFamily="49" charset="0"/>
-              </a:rPr>
-              <a:t>rule </a:t>
-            </a:r>
-            <a:r>
-              <a:rPr lang="en-GB" b="1" dirty="0" err="1">
-                <a:solidFill>
-                  <a:srgbClr val="404040"/>
-                </a:solidFill>
-                <a:latin typeface="Consolas" panose="020B0609020204030204" pitchFamily="49" charset="0"/>
-                <a:cs typeface="Consolas" panose="020B0609020204030204" pitchFamily="49" charset="0"/>
-              </a:rPr>
-              <a:t>my_first_wildcards</a:t>
-            </a:r>
-            <a:r>
-              <a:rPr lang="en-GB" b="1" dirty="0">
-                <a:solidFill>
-                  <a:srgbClr val="404040"/>
-                </a:solidFill>
-                <a:latin typeface="Consolas" panose="020B0609020204030204" pitchFamily="49" charset="0"/>
-                <a:cs typeface="Consolas" panose="020B0609020204030204" pitchFamily="49" charset="0"/>
-              </a:rPr>
-              <a:t>:</a:t>
-            </a:r>
-          </a:p>
-          <a:p>
-            <a:pPr defTabSz="518400"/>
-            <a:r>
-              <a:rPr lang="en-GB" b="1" i="0" dirty="0">
-                <a:solidFill>
-                  <a:srgbClr val="404040"/>
-                </a:solidFill>
-                <a:effectLst/>
-                <a:latin typeface="Consolas" panose="020B0609020204030204" pitchFamily="49" charset="0"/>
-                <a:cs typeface="Consolas" panose="020B0609020204030204" pitchFamily="49" charset="0"/>
-              </a:rPr>
-              <a:t>	input: “</a:t>
-            </a:r>
-            <a:r>
-              <a:rPr lang="en-GB" b="1" dirty="0">
-                <a:solidFill>
-                  <a:srgbClr val="404040"/>
-                </a:solidFill>
-                <a:latin typeface="Consolas" panose="020B0609020204030204" pitchFamily="49" charset="0"/>
-                <a:cs typeface="Consolas" panose="020B0609020204030204" pitchFamily="49" charset="0"/>
-              </a:rPr>
-              <a:t>{dataset}</a:t>
-            </a:r>
-            <a:r>
-              <a:rPr lang="en-GB" b="1" i="0" dirty="0">
-                <a:solidFill>
-                  <a:srgbClr val="404040"/>
-                </a:solidFill>
-                <a:effectLst/>
-                <a:latin typeface="Consolas" panose="020B0609020204030204" pitchFamily="49" charset="0"/>
-                <a:cs typeface="Consolas" panose="020B0609020204030204" pitchFamily="49" charset="0"/>
-              </a:rPr>
-              <a:t>.txt”</a:t>
-            </a:r>
-          </a:p>
-          <a:p>
-            <a:pPr defTabSz="518400"/>
-            <a:r>
-              <a:rPr lang="en-GB" b="1" dirty="0">
-                <a:solidFill>
-                  <a:srgbClr val="404040"/>
-                </a:solidFill>
-                <a:latin typeface="Consolas" panose="020B0609020204030204" pitchFamily="49" charset="0"/>
-                <a:cs typeface="Consolas" panose="020B0609020204030204" pitchFamily="49" charset="0"/>
-              </a:rPr>
-              <a:t>	output: “{dataset}.</a:t>
-            </a:r>
-            <a:r>
-              <a:rPr lang="en-GB" b="1" dirty="0" err="1">
-                <a:solidFill>
-                  <a:srgbClr val="404040"/>
-                </a:solidFill>
-                <a:latin typeface="Consolas" panose="020B0609020204030204" pitchFamily="49" charset="0"/>
-                <a:cs typeface="Consolas" panose="020B0609020204030204" pitchFamily="49" charset="0"/>
-              </a:rPr>
-              <a:t>png</a:t>
-            </a:r>
-            <a:r>
-              <a:rPr lang="en-GB" b="1" dirty="0">
-                <a:solidFill>
-                  <a:srgbClr val="404040"/>
-                </a:solidFill>
-                <a:latin typeface="Consolas" panose="020B0609020204030204" pitchFamily="49" charset="0"/>
-                <a:cs typeface="Consolas" panose="020B0609020204030204" pitchFamily="49" charset="0"/>
-              </a:rPr>
-              <a:t>”</a:t>
-            </a:r>
-          </a:p>
-          <a:p>
-            <a:pPr defTabSz="518400"/>
-            <a:r>
-              <a:rPr lang="en-GB" b="1" i="0" dirty="0">
-                <a:solidFill>
-                  <a:srgbClr val="404040"/>
-                </a:solidFill>
-                <a:effectLst/>
-                <a:latin typeface="Consolas" panose="020B0609020204030204" pitchFamily="49" charset="0"/>
-                <a:cs typeface="Consolas" panose="020B0609020204030204" pitchFamily="49" charset="0"/>
-              </a:rPr>
-              <a:t>	shell: “</a:t>
-            </a:r>
-            <a:r>
-              <a:rPr lang="en-GB" b="1" i="0" dirty="0" err="1">
-                <a:solidFill>
-                  <a:srgbClr val="404040"/>
-                </a:solidFill>
-                <a:effectLst/>
-                <a:latin typeface="Consolas" panose="020B0609020204030204" pitchFamily="49" charset="0"/>
-                <a:cs typeface="Consolas" panose="020B0609020204030204" pitchFamily="49" charset="0"/>
-              </a:rPr>
-              <a:t>mycommand</a:t>
-            </a:r>
-            <a:r>
-              <a:rPr lang="en-GB" b="1" i="0" dirty="0">
-                <a:solidFill>
-                  <a:srgbClr val="404040"/>
-                </a:solidFill>
-                <a:effectLst/>
-                <a:latin typeface="Consolas" panose="020B0609020204030204" pitchFamily="49" charset="0"/>
-                <a:cs typeface="Consolas" panose="020B0609020204030204" pitchFamily="49" charset="0"/>
-              </a:rPr>
-              <a:t> {input} {output}”</a:t>
+              <a:rPr lang="en-GB" dirty="0"/>
+              <a:t>? </a:t>
             </a:r>
           </a:p>
         </p:txBody>
@@ -7974,7 +8014,7 @@
     </p:spTree>
     <p:extLst>
       <p:ext uri="{BB962C8B-B14F-4D97-AF65-F5344CB8AC3E}">
-        <p14:creationId xmlns:p14="http://schemas.microsoft.com/office/powerpoint/2010/main" val="1808694965"/>
+        <p14:creationId xmlns:p14="http://schemas.microsoft.com/office/powerpoint/2010/main" val="2811718049"/>
       </p:ext>
     </p:extLst>
   </p:cSld>
@@ -8003,10 +8043,10 @@
       </p:grpSpPr>
       <p:sp>
         <p:nvSpPr>
-          <p:cNvPr id="7" name="TextBox 6">
-            <a:extLst>
-              <a:ext uri="{FF2B5EF4-FFF2-40B4-BE49-F238E27FC236}">
-                <a16:creationId xmlns:a16="http://schemas.microsoft.com/office/drawing/2014/main" id="{CD689D89-26EC-E60A-F785-E80EA63FB527}"/>
+          <p:cNvPr id="3" name="TextBox 2">
+            <a:extLst>
+              <a:ext uri="{FF2B5EF4-FFF2-40B4-BE49-F238E27FC236}">
+                <a16:creationId xmlns:a16="http://schemas.microsoft.com/office/drawing/2014/main" id="{2FF37B39-E30F-E25B-F621-B0377BBF1FF4}"/>
               </a:ext>
             </a:extLst>
           </p:cNvPr>
@@ -8015,8 +8055,8 @@
         </p:nvSpPr>
         <p:spPr>
           <a:xfrm>
-            <a:off x="1265872" y="411748"/>
-            <a:ext cx="8758237" cy="6186309"/>
+            <a:off x="1025842" y="612844"/>
+            <a:ext cx="10884218" cy="3970318"/>
           </a:xfrm>
           <a:prstGeom prst="rect">
             <a:avLst/>
@@ -8029,15 +8069,308 @@
           </a:bodyPr>
           <a:lstStyle/>
           <a:p>
+            <a:r>
+              <a:rPr lang="en-GB" dirty="0" err="1">
+                <a:solidFill>
+                  <a:srgbClr val="000000"/>
+                </a:solidFill>
+                <a:latin typeface="Open Sans" panose="020F0502020204030204" pitchFamily="34" charset="0"/>
+              </a:rPr>
+              <a:t>Snakemake</a:t>
+            </a:r>
+            <a:r>
+              <a:rPr lang="en-GB" dirty="0">
+                <a:solidFill>
+                  <a:srgbClr val="000000"/>
+                </a:solidFill>
+                <a:latin typeface="Open Sans" panose="020F0502020204030204" pitchFamily="34" charset="0"/>
+              </a:rPr>
+              <a:t> </a:t>
+            </a:r>
+            <a:r>
+              <a:rPr lang="en-GB" b="0" i="0" dirty="0">
+                <a:solidFill>
+                  <a:srgbClr val="404040"/>
+                </a:solidFill>
+                <a:effectLst/>
+                <a:latin typeface="Lato" panose="020F0502020204030203" pitchFamily="34" charset="0"/>
+              </a:rPr>
+              <a:t>is </a:t>
+            </a:r>
+            <a:r>
+              <a:rPr lang="en-GB" dirty="0">
+                <a:solidFill>
+                  <a:srgbClr val="000000"/>
+                </a:solidFill>
+                <a:latin typeface="Open Sans" panose="020F0502020204030204" pitchFamily="34" charset="0"/>
+              </a:rPr>
+              <a:t>an </a:t>
+            </a:r>
+            <a:r>
+              <a:rPr lang="en-GB" b="0" i="0" dirty="0">
+                <a:solidFill>
+                  <a:srgbClr val="404040"/>
+                </a:solidFill>
+                <a:effectLst/>
+                <a:latin typeface="Lato" panose="020F0502020204030203" pitchFamily="34" charset="0"/>
+              </a:rPr>
+              <a:t>extension of </a:t>
+            </a:r>
+            <a:r>
+              <a:rPr lang="en-GB" b="0" i="0" u="sng" dirty="0">
+                <a:solidFill>
+                  <a:srgbClr val="039475"/>
+                </a:solidFill>
+                <a:effectLst/>
+                <a:latin typeface="Lato" panose="020F0502020204030203" pitchFamily="34" charset="0"/>
+                <a:hlinkClick r:id="rId3"/>
+              </a:rPr>
+              <a:t>Python</a:t>
+            </a:r>
+            <a:r>
+              <a:rPr lang="en-GB" b="0" i="0" dirty="0">
+                <a:solidFill>
+                  <a:srgbClr val="404040"/>
+                </a:solidFill>
+                <a:effectLst/>
+                <a:latin typeface="Lato" panose="020F0502020204030203" pitchFamily="34" charset="0"/>
+              </a:rPr>
+              <a:t> with syntax to define rules and workflow specific properties.</a:t>
+            </a:r>
+          </a:p>
+          <a:p>
+            <a:endParaRPr lang="en-GB" dirty="0">
+              <a:solidFill>
+                <a:srgbClr val="404040"/>
+              </a:solidFill>
+              <a:latin typeface="Lato" panose="020F0502020204030203" pitchFamily="34" charset="0"/>
+            </a:endParaRPr>
+          </a:p>
+          <a:p>
+            <a:r>
+              <a:rPr lang="en-GB" b="0" i="0" dirty="0" err="1">
+                <a:solidFill>
+                  <a:srgbClr val="404040"/>
+                </a:solidFill>
+                <a:effectLst/>
+                <a:latin typeface="Lato" panose="020F0502020204030203" pitchFamily="34" charset="0"/>
+              </a:rPr>
+              <a:t>Snakemake</a:t>
+            </a:r>
+            <a:r>
+              <a:rPr lang="en-GB" b="0" i="0" dirty="0">
+                <a:solidFill>
+                  <a:srgbClr val="404040"/>
+                </a:solidFill>
+                <a:effectLst/>
+                <a:latin typeface="Lato" panose="020F0502020204030203" pitchFamily="34" charset="0"/>
+              </a:rPr>
+              <a:t> tutorial slides: </a:t>
+            </a:r>
+            <a:r>
+              <a:rPr lang="en-GB" b="0" i="0" dirty="0">
+                <a:solidFill>
+                  <a:srgbClr val="404040"/>
+                </a:solidFill>
+                <a:effectLst/>
+                <a:latin typeface="Lato" panose="020F0502020204030203" pitchFamily="34" charset="0"/>
+                <a:hlinkClick r:id="rId4"/>
+              </a:rPr>
+              <a:t>https://slides.com/johanneskoester/snakemake-tutorial</a:t>
+            </a:r>
+            <a:r>
+              <a:rPr lang="en-GB" b="0" i="0" dirty="0">
+                <a:solidFill>
+                  <a:srgbClr val="404040"/>
+                </a:solidFill>
+                <a:effectLst/>
+                <a:latin typeface="Lato" panose="020F0502020204030203" pitchFamily="34" charset="0"/>
+              </a:rPr>
+              <a:t> </a:t>
+            </a:r>
+          </a:p>
+          <a:p>
+            <a:endParaRPr lang="en-GB" b="0" i="0" dirty="0">
+              <a:solidFill>
+                <a:srgbClr val="404040"/>
+              </a:solidFill>
+              <a:effectLst/>
+              <a:latin typeface="Lato" panose="020F0502020204030203" pitchFamily="34" charset="0"/>
+            </a:endParaRPr>
+          </a:p>
+          <a:p>
+            <a:r>
+              <a:rPr lang="en-GB" dirty="0">
+                <a:solidFill>
+                  <a:srgbClr val="404040"/>
+                </a:solidFill>
+                <a:latin typeface="Lato" panose="020F0502020204030203" pitchFamily="34" charset="0"/>
+              </a:rPr>
+              <a:t>The workflow is defined in terms of </a:t>
+            </a:r>
+            <a:r>
+              <a:rPr lang="en-GB" b="1" dirty="0">
+                <a:solidFill>
+                  <a:srgbClr val="404040"/>
+                </a:solidFill>
+                <a:latin typeface="Lato" panose="020F0502020204030203" pitchFamily="34" charset="0"/>
+              </a:rPr>
+              <a:t>rules </a:t>
+            </a:r>
+            <a:r>
+              <a:rPr lang="en-GB" dirty="0">
+                <a:solidFill>
+                  <a:srgbClr val="404040"/>
+                </a:solidFill>
+                <a:latin typeface="Lato" panose="020F0502020204030203" pitchFamily="34" charset="0"/>
+              </a:rPr>
+              <a:t>that define how to create output files from input files</a:t>
+            </a:r>
+          </a:p>
+          <a:p>
+            <a:endParaRPr lang="en-GB" dirty="0">
+              <a:solidFill>
+                <a:srgbClr val="404040"/>
+              </a:solidFill>
+              <a:latin typeface="Lato" panose="020F0502020204030203" pitchFamily="34" charset="0"/>
+            </a:endParaRPr>
+          </a:p>
+          <a:p>
             <a:pPr defTabSz="518400"/>
             <a:r>
-              <a:rPr lang="en-GB" dirty="0">
+              <a:rPr lang="en-GB" b="1" dirty="0">
                 <a:solidFill>
                   <a:srgbClr val="404040"/>
                 </a:solidFill>
-                <a:latin typeface="Lato" panose="020F0502020204030203" pitchFamily="34" charset="0"/>
-              </a:rPr>
-              <a:t>Refer to file by name or by index (e.g. input[0])</a:t>
+                <a:latin typeface="Consolas" panose="020B0609020204030204" pitchFamily="49" charset="0"/>
+                <a:cs typeface="Consolas" panose="020B0609020204030204" pitchFamily="49" charset="0"/>
+              </a:rPr>
+              <a:t>rule </a:t>
+            </a:r>
+            <a:r>
+              <a:rPr lang="en-GB" b="1" dirty="0" err="1">
+                <a:solidFill>
+                  <a:srgbClr val="404040"/>
+                </a:solidFill>
+                <a:latin typeface="Consolas" panose="020B0609020204030204" pitchFamily="49" charset="0"/>
+                <a:cs typeface="Consolas" panose="020B0609020204030204" pitchFamily="49" charset="0"/>
+              </a:rPr>
+              <a:t>my_first_rule</a:t>
+            </a:r>
+            <a:r>
+              <a:rPr lang="en-GB" b="1" dirty="0">
+                <a:solidFill>
+                  <a:srgbClr val="404040"/>
+                </a:solidFill>
+                <a:latin typeface="Consolas" panose="020B0609020204030204" pitchFamily="49" charset="0"/>
+                <a:cs typeface="Consolas" panose="020B0609020204030204" pitchFamily="49" charset="0"/>
+              </a:rPr>
+              <a:t>:</a:t>
+            </a:r>
+          </a:p>
+          <a:p>
+            <a:pPr defTabSz="518400"/>
+            <a:r>
+              <a:rPr lang="en-GB" b="1" i="0" dirty="0">
+                <a:solidFill>
+                  <a:srgbClr val="404040"/>
+                </a:solidFill>
+                <a:effectLst/>
+                <a:latin typeface="Consolas" panose="020B0609020204030204" pitchFamily="49" charset="0"/>
+                <a:cs typeface="Consolas" panose="020B0609020204030204" pitchFamily="49" charset="0"/>
+              </a:rPr>
+              <a:t>	input: “</a:t>
+            </a:r>
+            <a:r>
+              <a:rPr lang="en-GB" b="1" i="0" dirty="0" err="1">
+                <a:solidFill>
+                  <a:srgbClr val="404040"/>
+                </a:solidFill>
+                <a:effectLst/>
+                <a:latin typeface="Consolas" panose="020B0609020204030204" pitchFamily="49" charset="0"/>
+                <a:cs typeface="Consolas" panose="020B0609020204030204" pitchFamily="49" charset="0"/>
+              </a:rPr>
+              <a:t>input.txt</a:t>
+            </a:r>
+            <a:r>
+              <a:rPr lang="en-GB" b="1" i="0" dirty="0">
+                <a:solidFill>
+                  <a:srgbClr val="404040"/>
+                </a:solidFill>
+                <a:effectLst/>
+                <a:latin typeface="Consolas" panose="020B0609020204030204" pitchFamily="49" charset="0"/>
+                <a:cs typeface="Consolas" panose="020B0609020204030204" pitchFamily="49" charset="0"/>
+              </a:rPr>
+              <a:t>”</a:t>
+            </a:r>
+          </a:p>
+          <a:p>
+            <a:pPr defTabSz="518400"/>
+            <a:r>
+              <a:rPr lang="en-GB" b="1" dirty="0">
+                <a:solidFill>
+                  <a:srgbClr val="404040"/>
+                </a:solidFill>
+                <a:latin typeface="Consolas" panose="020B0609020204030204" pitchFamily="49" charset="0"/>
+                <a:cs typeface="Consolas" panose="020B0609020204030204" pitchFamily="49" charset="0"/>
+              </a:rPr>
+              <a:t>	output: “</a:t>
+            </a:r>
+            <a:r>
+              <a:rPr lang="en-GB" b="1" dirty="0" err="1">
+                <a:solidFill>
+                  <a:srgbClr val="404040"/>
+                </a:solidFill>
+                <a:latin typeface="Consolas" panose="020B0609020204030204" pitchFamily="49" charset="0"/>
+                <a:cs typeface="Consolas" panose="020B0609020204030204" pitchFamily="49" charset="0"/>
+              </a:rPr>
+              <a:t>output.txt</a:t>
+            </a:r>
+            <a:r>
+              <a:rPr lang="en-GB" b="1" dirty="0">
+                <a:solidFill>
+                  <a:srgbClr val="404040"/>
+                </a:solidFill>
+                <a:latin typeface="Consolas" panose="020B0609020204030204" pitchFamily="49" charset="0"/>
+                <a:cs typeface="Consolas" panose="020B0609020204030204" pitchFamily="49" charset="0"/>
+              </a:rPr>
+              <a:t>”</a:t>
+            </a:r>
+          </a:p>
+          <a:p>
+            <a:pPr defTabSz="518400"/>
+            <a:r>
+              <a:rPr lang="en-GB" b="1" i="0" dirty="0">
+                <a:solidFill>
+                  <a:srgbClr val="404040"/>
+                </a:solidFill>
+                <a:effectLst/>
+                <a:latin typeface="Consolas" panose="020B0609020204030204" pitchFamily="49" charset="0"/>
+                <a:cs typeface="Consolas" panose="020B0609020204030204" pitchFamily="49" charset="0"/>
+              </a:rPr>
+              <a:t>	shell: “</a:t>
+            </a:r>
+            <a:r>
+              <a:rPr lang="en-GB" b="1" i="0" dirty="0" err="1">
+                <a:solidFill>
+                  <a:srgbClr val="404040"/>
+                </a:solidFill>
+                <a:effectLst/>
+                <a:latin typeface="Consolas" panose="020B0609020204030204" pitchFamily="49" charset="0"/>
+                <a:cs typeface="Consolas" panose="020B0609020204030204" pitchFamily="49" charset="0"/>
+              </a:rPr>
+              <a:t>mycommand</a:t>
+            </a:r>
+            <a:r>
+              <a:rPr lang="en-GB" b="1" i="0" dirty="0">
+                <a:solidFill>
+                  <a:srgbClr val="404040"/>
+                </a:solidFill>
+                <a:effectLst/>
+                <a:latin typeface="Consolas" panose="020B0609020204030204" pitchFamily="49" charset="0"/>
+                <a:cs typeface="Consolas" panose="020B0609020204030204" pitchFamily="49" charset="0"/>
+              </a:rPr>
+              <a:t> {input} {output}”</a:t>
             </a:r>
           </a:p>
           <a:p>
@@ -8051,113 +8384,42 @@
             </a:endParaRPr>
           </a:p>
           <a:p>
+            <a:pPr algn="l" fontAlgn="base"/>
+            <a:r>
+              <a:rPr lang="en-GB" dirty="0">
+                <a:solidFill>
+                  <a:srgbClr val="000000"/>
+                </a:solidFill>
+                <a:latin typeface="Open Sans" panose="020B0606030504020204" pitchFamily="34" charset="0"/>
+              </a:rPr>
+              <a:t>How to </a:t>
+            </a:r>
+            <a:r>
+              <a:rPr lang="en-GB" b="0" i="0" dirty="0">
+                <a:solidFill>
+                  <a:srgbClr val="000000"/>
+                </a:solidFill>
+                <a:effectLst/>
+                <a:latin typeface="Open Sans" panose="020B0606030504020204" pitchFamily="34" charset="0"/>
+              </a:rPr>
+              <a:t>generalize rules?  using </a:t>
+            </a:r>
+            <a:r>
+              <a:rPr lang="en-GB" b="1" i="0" dirty="0">
+                <a:solidFill>
+                  <a:srgbClr val="000000"/>
+                </a:solidFill>
+                <a:effectLst/>
+                <a:latin typeface="Open Sans" panose="020B0606030504020204" pitchFamily="34" charset="0"/>
+              </a:rPr>
+              <a:t>named wildcards</a:t>
+            </a:r>
+          </a:p>
+          <a:p>
             <a:pPr defTabSz="518400"/>
-            <a:r>
-              <a:rPr lang="en-GB" b="1" dirty="0">
-                <a:solidFill>
-                  <a:srgbClr val="404040"/>
-                </a:solidFill>
-                <a:latin typeface="Consolas" panose="020B0609020204030204" pitchFamily="49" charset="0"/>
-                <a:cs typeface="Consolas" panose="020B0609020204030204" pitchFamily="49" charset="0"/>
-              </a:rPr>
-              <a:t>r</a:t>
-            </a:r>
-            <a:r>
-              <a:rPr lang="en-GB" b="1" i="0" dirty="0">
-                <a:solidFill>
-                  <a:srgbClr val="404040"/>
-                </a:solidFill>
-                <a:effectLst/>
-                <a:latin typeface="Consolas" panose="020B0609020204030204" pitchFamily="49" charset="0"/>
-                <a:cs typeface="Consolas" panose="020B0609020204030204" pitchFamily="49" charset="0"/>
-              </a:rPr>
-              <a:t>ule </a:t>
-            </a:r>
-            <a:r>
-              <a:rPr lang="en-GB" b="1" i="0" dirty="0" err="1">
-                <a:solidFill>
-                  <a:srgbClr val="404040"/>
-                </a:solidFill>
-                <a:effectLst/>
-                <a:latin typeface="Consolas" panose="020B0609020204030204" pitchFamily="49" charset="0"/>
-                <a:cs typeface="Consolas" panose="020B0609020204030204" pitchFamily="49" charset="0"/>
-              </a:rPr>
-              <a:t>my_second_rule</a:t>
-            </a:r>
-            <a:r>
-              <a:rPr lang="en-GB" b="1" i="0" dirty="0">
-                <a:solidFill>
-                  <a:srgbClr val="404040"/>
-                </a:solidFill>
-                <a:effectLst/>
-                <a:latin typeface="Consolas" panose="020B0609020204030204" pitchFamily="49" charset="0"/>
-                <a:cs typeface="Consolas" panose="020B0609020204030204" pitchFamily="49" charset="0"/>
-              </a:rPr>
-              <a:t>:</a:t>
-            </a:r>
-          </a:p>
-          <a:p>
-            <a:pPr defTabSz="518400"/>
-            <a:r>
-              <a:rPr lang="en-GB" b="1" i="0" dirty="0">
-                <a:solidFill>
-                  <a:srgbClr val="000000"/>
-                </a:solidFill>
-                <a:effectLst/>
-                <a:latin typeface="Consolas" panose="020B0609020204030204" pitchFamily="49" charset="0"/>
-                <a:cs typeface="Consolas" panose="020B0609020204030204" pitchFamily="49" charset="0"/>
-              </a:rPr>
-              <a:t>	input: </a:t>
-            </a:r>
-          </a:p>
-          <a:p>
-            <a:pPr defTabSz="518400"/>
-            <a:r>
-              <a:rPr lang="en-GB" b="1" dirty="0">
-                <a:solidFill>
-                  <a:srgbClr val="000000"/>
-                </a:solidFill>
-                <a:latin typeface="Consolas" panose="020B0609020204030204" pitchFamily="49" charset="0"/>
-                <a:cs typeface="Consolas" panose="020B0609020204030204" pitchFamily="49" charset="0"/>
-              </a:rPr>
-              <a:t>		file1: </a:t>
-            </a:r>
-            <a:r>
-              <a:rPr lang="en-GB" b="1" i="0" dirty="0">
-                <a:solidFill>
-                  <a:srgbClr val="404040"/>
-                </a:solidFill>
-                <a:effectLst/>
-                <a:latin typeface="Consolas" panose="020B0609020204030204" pitchFamily="49" charset="0"/>
-                <a:cs typeface="Consolas" panose="020B0609020204030204" pitchFamily="49" charset="0"/>
-              </a:rPr>
-              <a:t>“</a:t>
-            </a:r>
-            <a:r>
-              <a:rPr lang="en-GB" b="1" i="0" dirty="0" err="1">
-                <a:solidFill>
-                  <a:srgbClr val="404040"/>
-                </a:solidFill>
-                <a:effectLst/>
-                <a:latin typeface="Consolas" panose="020B0609020204030204" pitchFamily="49" charset="0"/>
-                <a:cs typeface="Consolas" panose="020B0609020204030204" pitchFamily="49" charset="0"/>
-              </a:rPr>
-              <a:t>input.txt</a:t>
-            </a:r>
-            <a:r>
-              <a:rPr lang="en-GB" b="1" i="0" dirty="0">
-                <a:solidFill>
-                  <a:srgbClr val="404040"/>
-                </a:solidFill>
-                <a:effectLst/>
-                <a:latin typeface="Consolas" panose="020B0609020204030204" pitchFamily="49" charset="0"/>
-                <a:cs typeface="Consolas" panose="020B0609020204030204" pitchFamily="49" charset="0"/>
-              </a:rPr>
-              <a:t>”</a:t>
-            </a:r>
             <a:endParaRPr lang="en-GB" b="1" i="0" dirty="0">
               <a:solidFill>
-                <a:srgbClr val="000000"/>
+                <a:srgbClr val="404040"/>
               </a:solidFill>
               <a:effectLst/>
               <a:latin typeface="Consolas" panose="020B0609020204030204" pitchFamily="49" charset="0"/>
@@ -8165,235 +8427,38 @@
             </a:endParaRPr>
           </a:p>
           <a:p>
-            <a:pPr defTabSz="518400"/>
-            <a:r>
-              <a:rPr lang="en-GB" b="1" dirty="0">
-                <a:solidFill>
-                  <a:srgbClr val="000000"/>
-                </a:solidFill>
-                <a:latin typeface="Consolas" panose="020B0609020204030204" pitchFamily="49" charset="0"/>
-                <a:cs typeface="Consolas" panose="020B0609020204030204" pitchFamily="49" charset="0"/>
-              </a:rPr>
-              <a:t>	output: </a:t>
-            </a:r>
-          </a:p>
-          <a:p>
-            <a:pPr defTabSz="518400"/>
-            <a:r>
-              <a:rPr lang="en-GB" b="1" i="0" dirty="0">
-                <a:solidFill>
-                  <a:srgbClr val="000000"/>
-                </a:solidFill>
-                <a:effectLst/>
-                <a:latin typeface="Consolas" panose="020B0609020204030204" pitchFamily="49" charset="0"/>
-                <a:cs typeface="Consolas" panose="020B0609020204030204" pitchFamily="49" charset="0"/>
-              </a:rPr>
-              <a:t>		file2: </a:t>
-            </a:r>
-            <a:r>
-              <a:rPr lang="en-GB" b="1" i="0" dirty="0">
-                <a:solidFill>
-                  <a:srgbClr val="404040"/>
-                </a:solidFill>
-                <a:effectLst/>
-                <a:latin typeface="Consolas" panose="020B0609020204030204" pitchFamily="49" charset="0"/>
-                <a:cs typeface="Consolas" panose="020B0609020204030204" pitchFamily="49" charset="0"/>
-              </a:rPr>
-              <a:t>“</a:t>
-            </a:r>
-            <a:r>
-              <a:rPr lang="en-GB" b="1" i="0" dirty="0" err="1">
-                <a:solidFill>
-                  <a:srgbClr val="404040"/>
-                </a:solidFill>
-                <a:effectLst/>
-                <a:latin typeface="Consolas" panose="020B0609020204030204" pitchFamily="49" charset="0"/>
-                <a:cs typeface="Consolas" panose="020B0609020204030204" pitchFamily="49" charset="0"/>
-              </a:rPr>
-              <a:t>output.png</a:t>
-            </a:r>
-            <a:r>
-              <a:rPr lang="en-GB" b="1" i="0" dirty="0">
-                <a:solidFill>
-                  <a:srgbClr val="404040"/>
-                </a:solidFill>
-                <a:effectLst/>
-                <a:latin typeface="Consolas" panose="020B0609020204030204" pitchFamily="49" charset="0"/>
-                <a:cs typeface="Consolas" panose="020B0609020204030204" pitchFamily="49" charset="0"/>
-              </a:rPr>
-              <a:t>”</a:t>
-            </a:r>
-            <a:endParaRPr lang="en-GB" b="1" dirty="0">
-              <a:solidFill>
-                <a:srgbClr val="000000"/>
-              </a:solidFill>
-              <a:latin typeface="Consolas" panose="020B0609020204030204" pitchFamily="49" charset="0"/>
-              <a:cs typeface="Consolas" panose="020B0609020204030204" pitchFamily="49" charset="0"/>
-            </a:endParaRPr>
-          </a:p>
-          <a:p>
-            <a:pPr defTabSz="518400"/>
-            <a:r>
-              <a:rPr lang="en-GB" b="1" i="0" dirty="0">
-                <a:solidFill>
-                  <a:srgbClr val="000000"/>
-                </a:solidFill>
-                <a:effectLst/>
-                <a:latin typeface="Consolas" panose="020B0609020204030204" pitchFamily="49" charset="0"/>
-                <a:cs typeface="Consolas" panose="020B0609020204030204" pitchFamily="49" charset="0"/>
-              </a:rPr>
-              <a:t>	script: </a:t>
-            </a:r>
-            <a:r>
-              <a:rPr lang="en-GB" b="1" i="0" dirty="0" err="1">
-                <a:solidFill>
-                  <a:srgbClr val="000000"/>
-                </a:solidFill>
-                <a:effectLst/>
-                <a:latin typeface="Consolas" panose="020B0609020204030204" pitchFamily="49" charset="0"/>
-                <a:cs typeface="Consolas" panose="020B0609020204030204" pitchFamily="49" charset="0"/>
-              </a:rPr>
-              <a:t>myscript.R</a:t>
-            </a:r>
-            <a:r>
-              <a:rPr lang="en-GB" b="1" i="0" dirty="0">
-                <a:solidFill>
-                  <a:srgbClr val="000000"/>
-                </a:solidFill>
-                <a:effectLst/>
-                <a:latin typeface="Consolas" panose="020B0609020204030204" pitchFamily="49" charset="0"/>
-                <a:cs typeface="Consolas" panose="020B0609020204030204" pitchFamily="49" charset="0"/>
-              </a:rPr>
-              <a:t> –</a:t>
-            </a:r>
-            <a:r>
-              <a:rPr lang="en-GB" b="1" i="0" dirty="0" err="1">
-                <a:solidFill>
-                  <a:srgbClr val="000000"/>
-                </a:solidFill>
-                <a:effectLst/>
-                <a:latin typeface="Consolas" panose="020B0609020204030204" pitchFamily="49" charset="0"/>
-                <a:cs typeface="Consolas" panose="020B0609020204030204" pitchFamily="49" charset="0"/>
-              </a:rPr>
-              <a:t>i</a:t>
-            </a:r>
-            <a:r>
-              <a:rPr lang="en-GB" b="1" i="0" dirty="0">
-                <a:solidFill>
-                  <a:srgbClr val="000000"/>
-                </a:solidFill>
-                <a:effectLst/>
-                <a:latin typeface="Consolas" panose="020B0609020204030204" pitchFamily="49" charset="0"/>
-                <a:cs typeface="Consolas" panose="020B0609020204030204" pitchFamily="49" charset="0"/>
-              </a:rPr>
-              <a:t> {input.file1} –o {output.file2}</a:t>
-            </a:r>
-          </a:p>
-          <a:p>
-            <a:pPr defTabSz="518400"/>
-            <a:endParaRPr lang="en-GB" b="1" dirty="0">
-              <a:solidFill>
-                <a:srgbClr val="000000"/>
-              </a:solidFill>
-              <a:latin typeface="Consolas" panose="020B0609020204030204" pitchFamily="49" charset="0"/>
-              <a:cs typeface="Consolas" panose="020B0609020204030204" pitchFamily="49" charset="0"/>
-            </a:endParaRPr>
-          </a:p>
-          <a:p>
-            <a:pPr defTabSz="518400"/>
-            <a:r>
-              <a:rPr lang="en-GB" dirty="0">
-                <a:solidFill>
-                  <a:srgbClr val="404040"/>
-                </a:solidFill>
-                <a:latin typeface="Lato" panose="020F0502020204030203" pitchFamily="34" charset="0"/>
-              </a:rPr>
-              <a:t>You can use script when running Julia, Python, R, Rust, Bash</a:t>
-            </a:r>
-          </a:p>
-          <a:p>
-            <a:pPr defTabSz="518400"/>
-            <a:endParaRPr lang="en-GB" b="1" dirty="0">
-              <a:solidFill>
-                <a:srgbClr val="000000"/>
-              </a:solidFill>
-              <a:latin typeface="Consolas" panose="020B0609020204030204" pitchFamily="49" charset="0"/>
-              <a:cs typeface="Consolas" panose="020B0609020204030204" pitchFamily="49" charset="0"/>
-            </a:endParaRPr>
-          </a:p>
-          <a:p>
-            <a:pPr defTabSz="518400"/>
-            <a:endParaRPr lang="en-GB" b="1" dirty="0">
-              <a:solidFill>
-                <a:srgbClr val="000000"/>
-              </a:solidFill>
-              <a:latin typeface="Consolas" panose="020B0609020204030204" pitchFamily="49" charset="0"/>
-              <a:cs typeface="Consolas" panose="020B0609020204030204" pitchFamily="49" charset="0"/>
-            </a:endParaRPr>
-          </a:p>
-          <a:p>
-            <a:pPr defTabSz="518400"/>
-            <a:r>
-              <a:rPr lang="en-GB" dirty="0">
-                <a:solidFill>
-                  <a:srgbClr val="404040"/>
-                </a:solidFill>
-                <a:latin typeface="Lato" panose="020F0502020204030203" pitchFamily="34" charset="0"/>
-              </a:rPr>
-              <a:t>Other tips!</a:t>
-            </a:r>
-          </a:p>
-          <a:p>
-            <a:pPr defTabSz="518400"/>
-            <a:r>
-              <a:rPr lang="en-GB" dirty="0">
-                <a:solidFill>
-                  <a:srgbClr val="404040"/>
-                </a:solidFill>
-                <a:latin typeface="Lato" panose="020F0502020204030203" pitchFamily="34" charset="0"/>
-              </a:rPr>
-              <a:t>You can use python within the rules and even run </a:t>
-            </a:r>
-            <a:r>
-              <a:rPr lang="en-GB" dirty="0" err="1">
-                <a:solidFill>
-                  <a:srgbClr val="404040"/>
-                </a:solidFill>
-                <a:latin typeface="Lato" panose="020F0502020204030203" pitchFamily="34" charset="0"/>
-              </a:rPr>
-              <a:t>jupyter</a:t>
-            </a:r>
-            <a:r>
-              <a:rPr lang="en-GB" dirty="0">
-                <a:solidFill>
-                  <a:srgbClr val="404040"/>
-                </a:solidFill>
-                <a:latin typeface="Lato" panose="020F0502020204030203" pitchFamily="34" charset="0"/>
-              </a:rPr>
-              <a:t> notebooks ”</a:t>
-            </a:r>
-            <a:r>
-              <a:rPr lang="en-GB" b="1" dirty="0">
-                <a:solidFill>
-                  <a:srgbClr val="000000"/>
-                </a:solidFill>
-                <a:latin typeface="Consolas" panose="020B0609020204030204" pitchFamily="49" charset="0"/>
-                <a:cs typeface="Consolas" panose="020B0609020204030204" pitchFamily="49" charset="0"/>
-              </a:rPr>
-              <a:t>notebook</a:t>
-            </a:r>
-            <a:r>
-              <a:rPr lang="en-GB" dirty="0">
-                <a:solidFill>
-                  <a:srgbClr val="404040"/>
-                </a:solidFill>
-                <a:latin typeface="Lato" panose="020F0502020204030203" pitchFamily="34" charset="0"/>
-              </a:rPr>
-              <a:t>”</a:t>
-            </a:r>
-          </a:p>
-          <a:p>
-            <a:pPr defTabSz="518400"/>
+            <a:endParaRPr lang="en-GB" dirty="0"/>
+          </a:p>
+        </p:txBody>
+      </p:sp>
+      <p:sp>
+        <p:nvSpPr>
+          <p:cNvPr id="4" name="TextBox 3">
+            <a:extLst>
+              <a:ext uri="{FF2B5EF4-FFF2-40B4-BE49-F238E27FC236}">
+                <a16:creationId xmlns:a16="http://schemas.microsoft.com/office/drawing/2014/main" id="{BB34665F-3C8E-D02F-0E3A-46CFDB417E8E}"/>
+              </a:ext>
+            </a:extLst>
+          </p:cNvPr>
+          <p:cNvSpPr txBox="1"/>
+          <p:nvPr/>
+        </p:nvSpPr>
+        <p:spPr>
+          <a:xfrm>
+            <a:off x="1025842" y="4130516"/>
+            <a:ext cx="6097904" cy="1477328"/>
+          </a:xfrm>
+          <a:prstGeom prst="rect">
+            <a:avLst/>
+          </a:prstGeom>
+          <a:noFill/>
+        </p:spPr>
+        <p:txBody>
+          <a:bodyPr wrap="square">
+            <a:spAutoFit/>
+          </a:bodyPr>
+          <a:lstStyle/>
+          <a:p>
             <a:endParaRPr lang="en-GB" dirty="0">
               <a:solidFill>
                 <a:srgbClr val="404040"/>
@@ -8411,24 +8476,18 @@
                 <a:latin typeface="Consolas" panose="020B0609020204030204" pitchFamily="49" charset="0"/>
                 <a:cs typeface="Consolas" panose="020B0609020204030204" pitchFamily="49" charset="0"/>
               </a:rPr>
-              <a:t>rule sort: </a:t>
-            </a:r>
-          </a:p>
-          <a:p>
-            <a:pPr defTabSz="518400"/>
-            <a:r>
-              <a:rPr lang="en-GB" b="1" dirty="0">
+              <a:t>rule </a:t>
+            </a:r>
+            <a:r>
+              <a:rPr lang="en-GB" b="1" dirty="0" err="1">
                 <a:solidFill>
                   <a:srgbClr val="404040"/>
                 </a:solidFill>
                 <a:latin typeface="Consolas" panose="020B0609020204030204" pitchFamily="49" charset="0"/>
                 <a:cs typeface="Consolas" panose="020B0609020204030204" pitchFamily="49" charset="0"/>
               </a:rPr>
-              <a:t>	input: "path/to/{dataset}.txt" </a:t>
-            </a:r>
-          </a:p>
-          <a:p>
-            <a:pPr defTabSz="518400"/>
+              <a:t>my_first_wildcards</a:t>
+            </a:r>
             <a:r>
               <a:rPr lang="en-GB" b="1" dirty="0">
                 <a:solidFill>
@@ -8437,17 +8496,21 @@
                 <a:latin typeface="Consolas" panose="020B0609020204030204" pitchFamily="49" charset="0"/>
                 <a:cs typeface="Consolas" panose="020B0609020204030204" pitchFamily="49" charset="0"/>
               </a:rPr>
-              <a:t>	output: "{dataset}.</a:t>
-            </a:r>
-            <a:r>
-              <a:rPr lang="en-GB" b="1" dirty="0" err="1">
+              <a:t>:</a:t>
+            </a:r>
+          </a:p>
+          <a:p>
+            <a:pPr defTabSz="518400"/>
+            <a:r>
+              <a:rPr lang="en-GB" b="1" i="0" dirty="0">
                 <a:solidFill>
                   <a:srgbClr val="404040"/>
                 </a:solidFill>
+                <a:effectLst/>
                 <a:latin typeface="Consolas" panose="020B0609020204030204" pitchFamily="49" charset="0"/>
                 <a:cs typeface="Consolas" panose="020B0609020204030204" pitchFamily="49" charset="0"/>
               </a:rPr>
-              <a:t>sorted.txt</a:t>
+              <a:t>	input: “</a:t>
             </a:r>
             <a:r>
               <a:rPr lang="en-GB" b="1" dirty="0">
@@ -8457,20 +8520,18 @@
                 <a:latin typeface="Consolas" panose="020B0609020204030204" pitchFamily="49" charset="0"/>
                 <a:cs typeface="Consolas" panose="020B0609020204030204" pitchFamily="49" charset="0"/>
               </a:rPr>
-              <a:t>" </a:t>
-            </a:r>
-          </a:p>
-          <a:p>
-            <a:pPr defTabSz="518400"/>
-            <a:r>
-              <a:rPr lang="en-GB" b="1" dirty="0">
+              <a:t>{dataset}</a:t>
+            </a:r>
+            <a:r>
+              <a:rPr lang="en-GB" b="1" i="0" dirty="0">
                 <a:solidFill>
                   <a:srgbClr val="404040"/>
                 </a:solidFill>
+                <a:effectLst/>
                 <a:latin typeface="Consolas" panose="020B0609020204030204" pitchFamily="49" charset="0"/>
                 <a:cs typeface="Consolas" panose="020B0609020204030204" pitchFamily="49" charset="0"/>
               </a:rPr>
-              <a:t>	run: </a:t>
+              <a:t>.txt”</a:t>
             </a:r>
           </a:p>
           <a:p>
@@ -8483,24 +8544,18 @@
                 <a:latin typeface="Consolas" panose="020B0609020204030204" pitchFamily="49" charset="0"/>
                 <a:cs typeface="Consolas" panose="020B0609020204030204" pitchFamily="49" charset="0"/>
               </a:rPr>
-              <a:t>		with open(output[0], "w") as out: </a:t>
-            </a:r>
-          </a:p>
-          <a:p>
-            <a:pPr defTabSz="518400"/>
-            <a:r>
-              <a:rPr lang="en-GB" b="1" dirty="0">
+              <a:t>	output: “{dataset}.</a:t>
+            </a:r>
+            <a:r>
+              <a:rPr lang="en-GB" b="1" dirty="0" err="1">
                 <a:solidFill>
                   <a:srgbClr val="404040"/>
                 </a:solidFill>
                 <a:latin typeface="Consolas" panose="020B0609020204030204" pitchFamily="49" charset="0"/>
                 <a:cs typeface="Consolas" panose="020B0609020204030204" pitchFamily="49" charset="0"/>
               </a:rPr>
-              <a:t>			for l in sorted(open(input[0])): </a:t>
-            </a:r>
-          </a:p>
-          <a:p>
-            <a:pPr defTabSz="518400"/>
+              <a:t>png</a:t>
+            </a:r>
             <a:r>
               <a:rPr lang="en-GB" b="1" dirty="0">
                 <a:solidFill>
@@ -8509,7 +8564,43 @@
                 <a:latin typeface="Consolas" panose="020B0609020204030204" pitchFamily="49" charset="0"/>
                 <a:cs typeface="Consolas" panose="020B0609020204030204" pitchFamily="49" charset="0"/>
               </a:rPr>
-              <a:t>				print(l, file=out)</a:t>
+              <a:t>”</a:t>
+            </a:r>
+          </a:p>
+          <a:p>
+            <a:pPr defTabSz="518400"/>
+            <a:r>
+              <a:rPr lang="en-GB" b="1" i="0" dirty="0">
+                <a:solidFill>
+                  <a:srgbClr val="404040"/>
+                </a:solidFill>
+                <a:effectLst/>
+                <a:latin typeface="Consolas" panose="020B0609020204030204" pitchFamily="49" charset="0"/>
+                <a:cs typeface="Consolas" panose="020B0609020204030204" pitchFamily="49" charset="0"/>
+              </a:rPr>
+              <a:t>	shell: “</a:t>
+            </a:r>
+            <a:r>
+              <a:rPr lang="en-GB" b="1" i="0" dirty="0" err="1">
+                <a:solidFill>
+                  <a:srgbClr val="404040"/>
+                </a:solidFill>
+                <a:effectLst/>
+                <a:latin typeface="Consolas" panose="020B0609020204030204" pitchFamily="49" charset="0"/>
+                <a:cs typeface="Consolas" panose="020B0609020204030204" pitchFamily="49" charset="0"/>
+              </a:rPr>
+              <a:t>mycommand</a:t>
+            </a:r>
+            <a:r>
+              <a:rPr lang="en-GB" b="1" i="0" dirty="0">
+                <a:solidFill>
+                  <a:srgbClr val="404040"/>
+                </a:solidFill>
+                <a:effectLst/>
+                <a:latin typeface="Consolas" panose="020B0609020204030204" pitchFamily="49" charset="0"/>
+                <a:cs typeface="Consolas" panose="020B0609020204030204" pitchFamily="49" charset="0"/>
+              </a:rPr>
+              <a:t> {input} {output}”</a:t>
             </a:r>
           </a:p>
         </p:txBody>
@@ -8517,7 +8608,7 @@
     </p:spTree>
     <p:extLst>
       <p:ext uri="{BB962C8B-B14F-4D97-AF65-F5344CB8AC3E}">
-        <p14:creationId xmlns:p14="http://schemas.microsoft.com/office/powerpoint/2010/main" val="4168531382"/>
+        <p14:creationId xmlns:p14="http://schemas.microsoft.com/office/powerpoint/2010/main" val="1808694965"/>
       </p:ext>
     </p:extLst>
   </p:cSld>
@@ -8546,10 +8637,10 @@
       </p:grpSpPr>
       <p:sp>
         <p:nvSpPr>
-          <p:cNvPr id="3" name="TextBox 2">
-            <a:extLst>
-              <a:ext uri="{FF2B5EF4-FFF2-40B4-BE49-F238E27FC236}">
-                <a16:creationId xmlns:a16="http://schemas.microsoft.com/office/drawing/2014/main" id="{5506B5A7-9827-29EA-90FF-AB0E7C4FD5B5}"/>
+          <p:cNvPr id="7" name="TextBox 6">
+            <a:extLst>
+              <a:ext uri="{FF2B5EF4-FFF2-40B4-BE49-F238E27FC236}">
+                <a16:creationId xmlns:a16="http://schemas.microsoft.com/office/drawing/2014/main" id="{CD689D89-26EC-E60A-F785-E80EA63FB527}"/>
               </a:ext>
             </a:extLst>
           </p:cNvPr>
@@ -8558,8 +8649,8 @@
         </p:nvSpPr>
         <p:spPr>
           <a:xfrm>
-            <a:off x="1060132" y="604004"/>
-            <a:ext cx="9364027" cy="4524315"/>
+            <a:off x="1265872" y="411748"/>
+            <a:ext cx="8758237" cy="6186309"/>
           </a:xfrm>
           <a:prstGeom prst="rect">
             <a:avLst/>
@@ -8573,53 +8664,24 @@
           <a:lstStyle/>
           <a:p>
             <a:pPr defTabSz="518400"/>
-            <a:endParaRPr lang="en-GB" dirty="0">
+            <a:r>
+              <a:rPr lang="en-GB" dirty="0">
+                <a:solidFill>
+                  <a:srgbClr val="404040"/>
+                </a:solidFill>
+                <a:latin typeface="Lato" panose="020F0502020204030203" pitchFamily="34" charset="0"/>
+              </a:rPr>
+              <a:t>Refer to file by name or by index (e.g. input[0])</a:t>
+            </a:r>
+          </a:p>
+          <a:p>
+            <a:pPr defTabSz="518400"/>
+            <a:endParaRPr lang="en-GB" b="1" dirty="0">
               <a:solidFill>
                 <a:srgbClr val="404040"/>
               </a:solidFill>
-              <a:latin typeface="Lato" panose="020F0502020204030203" pitchFamily="34" charset="0"/>
-            </a:endParaRPr>
-          </a:p>
-          <a:p>
-            <a:pPr defTabSz="518400"/>
-            <a:r>
-              <a:rPr lang="en-GB" dirty="0">
-                <a:solidFill>
-                  <a:srgbClr val="404040"/>
-                </a:solidFill>
-                <a:latin typeface="Lato" panose="020F0502020204030203" pitchFamily="34" charset="0"/>
-              </a:rPr>
-              <a:t>Target rule to collect results.</a:t>
-            </a:r>
-          </a:p>
-          <a:p>
-            <a:pPr defTabSz="518400"/>
-            <a:endParaRPr lang="en-GB" dirty="0">
-              <a:solidFill>
-                <a:srgbClr val="404040"/>
-              </a:solidFill>
-              <a:latin typeface="Lato" panose="020F0502020204030203" pitchFamily="34" charset="0"/>
-            </a:endParaRPr>
-          </a:p>
-          <a:p>
-            <a:pPr defTabSz="518400"/>
-            <a:r>
-              <a:rPr lang="en-GB" dirty="0">
-                <a:solidFill>
-                  <a:srgbClr val="404040"/>
-                </a:solidFill>
-                <a:latin typeface="Lato" panose="020F0502020204030203" pitchFamily="34" charset="0"/>
-              </a:rPr>
-              <a:t>Set your target(s) to apply rules:</a:t>
-            </a:r>
-          </a:p>
-          <a:p>
-            <a:pPr defTabSz="518400"/>
-            <a:endParaRPr lang="en-GB" dirty="0">
-              <a:solidFill>
-                <a:srgbClr val="404040"/>
-              </a:solidFill>
-              <a:latin typeface="Lato" panose="020F0502020204030203" pitchFamily="34" charset="0"/>
+              <a:latin typeface="Consolas" panose="020B0609020204030204" pitchFamily="49" charset="0"/>
+              <a:cs typeface="Consolas" panose="020B0609020204030204" pitchFamily="49" charset="0"/>
             </a:endParaRPr>
           </a:p>
           <a:p>
@@ -8646,17 +8708,7 @@
               <a:t>ule </a:t>
             </a:r>
             <a:r>
-              <a:rPr lang="en-GB" b="1" dirty="0">
-                <a:solidFill>
-                  <a:srgbClr val="404040"/>
-                </a:solidFill>
-                <a:latin typeface="Consolas" panose="020B0609020204030204" pitchFamily="49" charset="0"/>
-                <a:cs typeface="Consolas" panose="020B0609020204030204" pitchFamily="49" charset="0"/>
-              </a:rPr>
-              <a:t>all</a:t>
-            </a:r>
-            <a:r>
-              <a:rPr lang="en-GB" b="1" i="0" dirty="0">
+              <a:rPr lang="en-GB" b="1" i="0" dirty="0" err="1">
                 <a:solidFill>
                   <a:srgbClr val="404040"/>
                 </a:solidFill>
@@ -8664,48 +8716,48 @@
                 <a:latin typeface="Consolas" panose="020B0609020204030204" pitchFamily="49" charset="0"/>
                 <a:cs typeface="Consolas" panose="020B0609020204030204" pitchFamily="49" charset="0"/>
               </a:rPr>
-              <a:t>:</a:t>
-            </a:r>
-          </a:p>
-          <a:p>
-            <a:pPr defTabSz="518400"/>
+              <a:t>my_second_rule</a:t>
+            </a:r>
             <a:r>
               <a:rPr lang="en-GB" b="1" i="0" dirty="0">
                 <a:solidFill>
-                  <a:srgbClr val="000000"/>
+                  <a:srgbClr val="404040"/>
                 </a:solidFill>
                 <a:effectLst/>
                 <a:latin typeface="Consolas" panose="020B0609020204030204" pitchFamily="49" charset="0"/>
                 <a:cs typeface="Consolas" panose="020B0609020204030204" pitchFamily="49" charset="0"/>
               </a:rPr>
-              <a:t>	input: </a:t>
+              <a:t>:</a:t>
             </a:r>
           </a:p>
           <a:p>
             <a:pPr defTabSz="518400"/>
             <a:r>
-              <a:rPr lang="en-GB" b="1" dirty="0">
+              <a:rPr lang="en-GB" b="1" i="0" dirty="0">
                 <a:solidFill>
                   <a:srgbClr val="000000"/>
-                </a:solidFill>
-                <a:latin typeface="Consolas" panose="020B0609020204030204" pitchFamily="49" charset="0"/>
-                <a:cs typeface="Consolas" panose="020B0609020204030204" pitchFamily="49" charset="0"/>
-              </a:rPr>
-              <a:t>		</a:t>
-            </a:r>
-            <a:r>
-              <a:rPr lang="en-GB" b="1" i="0" dirty="0">
-                <a:solidFill>
-                  <a:srgbClr val="404040"/>
                 </a:solidFill>
                 <a:effectLst/>
                 <a:latin typeface="Consolas" panose="020B0609020204030204" pitchFamily="49" charset="0"/>
                 <a:cs typeface="Consolas" panose="020B0609020204030204" pitchFamily="49" charset="0"/>
               </a:rPr>
-              <a:t>“</a:t>
-            </a:r>
-            <a:r>
-              <a:rPr lang="en-GB" b="1" i="0" dirty="0" err="1">
+              <a:t>	input: </a:t>
+            </a:r>
+          </a:p>
+          <a:p>
+            <a:pPr defTabSz="518400"/>
+            <a:r>
+              <a:rPr lang="en-GB" b="1" dirty="0">
+                <a:solidFill>
+                  <a:srgbClr val="000000"/>
+                </a:solidFill>
+                <a:latin typeface="Consolas" panose="020B0609020204030204" pitchFamily="49" charset="0"/>
+                <a:cs typeface="Consolas" panose="020B0609020204030204" pitchFamily="49" charset="0"/>
+              </a:rPr>
+              <a:t>		file1: </a:t>
+            </a:r>
+            <a:r>
+              <a:rPr lang="en-GB" b="1" i="0" dirty="0">
                 <a:solidFill>
                   <a:srgbClr val="404040"/>
                 </a:solidFill>
@@ -8713,7 +8765,18 @@
                 <a:latin typeface="Consolas" panose="020B0609020204030204" pitchFamily="49" charset="0"/>
                 <a:cs typeface="Consolas" panose="020B0609020204030204" pitchFamily="49" charset="0"/>
               </a:rPr>
-              <a:t>output.png</a:t>
+              <a:t>“</a:t>
+            </a:r>
+            <a:r>
+              <a:rPr lang="en-GB" b="1" i="0" dirty="0" err="1">
+                <a:solidFill>
+                  <a:srgbClr val="404040"/>
+                </a:solidFill>
+                <a:effectLst/>
+                <a:latin typeface="Consolas" panose="020B0609020204030204" pitchFamily="49" charset="0"/>
+                <a:cs typeface="Consolas" panose="020B0609020204030204" pitchFamily="49" charset="0"/>
+              </a:rPr>
+              <a:t>input.txt</a:t>
             </a:r>
             <a:r>
               <a:rPr lang="en-GB" b="1" i="0" dirty="0">
@@ -8737,12 +8800,231 @@
           </a:p>
           <a:p>
             <a:pPr defTabSz="518400"/>
-            <a:endParaRPr lang="en-GB" dirty="0">
+            <a:r>
+              <a:rPr lang="en-GB" b="1" dirty="0">
+                <a:solidFill>
+                  <a:srgbClr val="000000"/>
+                </a:solidFill>
+                <a:latin typeface="Consolas" panose="020B0609020204030204" pitchFamily="49" charset="0"/>
+                <a:cs typeface="Consolas" panose="020B0609020204030204" pitchFamily="49" charset="0"/>
+              </a:rPr>
+              <a:t>	output: </a:t>
+            </a:r>
+          </a:p>
+          <a:p>
+            <a:pPr defTabSz="518400"/>
+            <a:r>
+              <a:rPr lang="en-GB" b="1" i="0" dirty="0">
+                <a:solidFill>
+                  <a:srgbClr val="000000"/>
+                </a:solidFill>
+                <a:effectLst/>
+                <a:latin typeface="Consolas" panose="020B0609020204030204" pitchFamily="49" charset="0"/>
+                <a:cs typeface="Consolas" panose="020B0609020204030204" pitchFamily="49" charset="0"/>
+              </a:rPr>
+              <a:t>		file2: </a:t>
+            </a:r>
+            <a:r>
+              <a:rPr lang="en-GB" b="1" i="0" dirty="0">
+                <a:solidFill>
+                  <a:srgbClr val="404040"/>
+                </a:solidFill>
+                <a:effectLst/>
+                <a:latin typeface="Consolas" panose="020B0609020204030204" pitchFamily="49" charset="0"/>
+                <a:cs typeface="Consolas" panose="020B0609020204030204" pitchFamily="49" charset="0"/>
+              </a:rPr>
+              <a:t>“</a:t>
+            </a:r>
+            <a:r>
+              <a:rPr lang="en-GB" b="1" i="0" dirty="0" err="1">
+                <a:solidFill>
+                  <a:srgbClr val="404040"/>
+                </a:solidFill>
+                <a:effectLst/>
+                <a:latin typeface="Consolas" panose="020B0609020204030204" pitchFamily="49" charset="0"/>
+                <a:cs typeface="Consolas" panose="020B0609020204030204" pitchFamily="49" charset="0"/>
+              </a:rPr>
+              <a:t>output.png</a:t>
+            </a:r>
+            <a:r>
+              <a:rPr lang="en-GB" b="1" i="0" dirty="0">
+                <a:solidFill>
+                  <a:srgbClr val="404040"/>
+                </a:solidFill>
+                <a:effectLst/>
+                <a:latin typeface="Consolas" panose="020B0609020204030204" pitchFamily="49" charset="0"/>
+                <a:cs typeface="Consolas" panose="020B0609020204030204" pitchFamily="49" charset="0"/>
+              </a:rPr>
+              <a:t>”</a:t>
+            </a:r>
+            <a:endParaRPr lang="en-GB" b="1" dirty="0">
               <a:solidFill>
-                <a:srgbClr val="404040"/>
+                <a:srgbClr val="000000"/>
               </a:solidFill>
-              <a:latin typeface="Lato" panose="020F0502020204030203" pitchFamily="34" charset="0"/>
+              <a:latin typeface="Consolas" panose="020B0609020204030204" pitchFamily="49" charset="0"/>
+              <a:cs typeface="Consolas" panose="020B0609020204030204" pitchFamily="49" charset="0"/>
             </a:endParaRPr>
+          </a:p>
+          <a:p>
+            <a:pPr defTabSz="518400"/>
+            <a:r>
+              <a:rPr lang="en-GB" b="1" i="0" dirty="0">
+                <a:solidFill>
+                  <a:srgbClr val="000000"/>
+                </a:solidFill>
+                <a:effectLst/>
+                <a:latin typeface="Consolas" panose="020B0609020204030204" pitchFamily="49" charset="0"/>
+                <a:cs typeface="Consolas" panose="020B0609020204030204" pitchFamily="49" charset="0"/>
+              </a:rPr>
+              <a:t>	script: </a:t>
+            </a:r>
+            <a:r>
+              <a:rPr lang="en-GB" b="1" i="0" dirty="0" err="1">
+                <a:solidFill>
+                  <a:srgbClr val="000000"/>
+                </a:solidFill>
+                <a:effectLst/>
+                <a:latin typeface="Consolas" panose="020B0609020204030204" pitchFamily="49" charset="0"/>
+                <a:cs typeface="Consolas" panose="020B0609020204030204" pitchFamily="49" charset="0"/>
+              </a:rPr>
+              <a:t>myscript.R</a:t>
+            </a:r>
+            <a:r>
+              <a:rPr lang="en-GB" b="1" i="0" dirty="0">
+                <a:solidFill>
+                  <a:srgbClr val="000000"/>
+                </a:solidFill>
+                <a:effectLst/>
+                <a:latin typeface="Consolas" panose="020B0609020204030204" pitchFamily="49" charset="0"/>
+                <a:cs typeface="Consolas" panose="020B0609020204030204" pitchFamily="49" charset="0"/>
+              </a:rPr>
+              <a:t> –</a:t>
+            </a:r>
+            <a:r>
+              <a:rPr lang="en-GB" b="1" i="0" dirty="0" err="1">
+                <a:solidFill>
+                  <a:srgbClr val="000000"/>
+                </a:solidFill>
+                <a:effectLst/>
+                <a:latin typeface="Consolas" panose="020B0609020204030204" pitchFamily="49" charset="0"/>
+                <a:cs typeface="Consolas" panose="020B0609020204030204" pitchFamily="49" charset="0"/>
+              </a:rPr>
+              <a:t>i</a:t>
+            </a:r>
+            <a:r>
+              <a:rPr lang="en-GB" b="1" i="0" dirty="0">
+                <a:solidFill>
+                  <a:srgbClr val="000000"/>
+                </a:solidFill>
+                <a:effectLst/>
+                <a:latin typeface="Consolas" panose="020B0609020204030204" pitchFamily="49" charset="0"/>
+                <a:cs typeface="Consolas" panose="020B0609020204030204" pitchFamily="49" charset="0"/>
+              </a:rPr>
+              <a:t> {input.file1} –o {output.file2}</a:t>
+            </a:r>
+          </a:p>
+          <a:p>
+            <a:pPr defTabSz="518400"/>
+            <a:endParaRPr lang="en-GB" b="1" dirty="0">
+              <a:solidFill>
+                <a:srgbClr val="000000"/>
+              </a:solidFill>
+              <a:latin typeface="Consolas" panose="020B0609020204030204" pitchFamily="49" charset="0"/>
+              <a:cs typeface="Consolas" panose="020B0609020204030204" pitchFamily="49" charset="0"/>
+            </a:endParaRPr>
+          </a:p>
+          <a:p>
+            <a:pPr defTabSz="518400"/>
+            <a:r>
+              <a:rPr lang="en-GB" dirty="0">
+                <a:solidFill>
+                  <a:srgbClr val="404040"/>
+                </a:solidFill>
+                <a:latin typeface="Lato" panose="020F0502020204030203" pitchFamily="34" charset="0"/>
+              </a:rPr>
+              <a:t>You can use script when running Julia, Python, R, Rust, Bash</a:t>
+            </a:r>
+          </a:p>
+          <a:p>
+            <a:pPr defTabSz="518400"/>
+            <a:endParaRPr lang="en-GB" b="1" dirty="0">
+              <a:solidFill>
+                <a:srgbClr val="000000"/>
+              </a:solidFill>
+              <a:latin typeface="Consolas" panose="020B0609020204030204" pitchFamily="49" charset="0"/>
+              <a:cs typeface="Consolas" panose="020B0609020204030204" pitchFamily="49" charset="0"/>
+            </a:endParaRPr>
+          </a:p>
+          <a:p>
+            <a:pPr defTabSz="518400"/>
+            <a:endParaRPr lang="en-GB" b="1" dirty="0">
+              <a:solidFill>
+                <a:srgbClr val="000000"/>
+              </a:solidFill>
+              <a:latin typeface="Consolas" panose="020B0609020204030204" pitchFamily="49" charset="0"/>
+              <a:cs typeface="Consolas" panose="020B0609020204030204" pitchFamily="49" charset="0"/>
+            </a:endParaRPr>
+          </a:p>
+          <a:p>
+            <a:pPr defTabSz="518400"/>
+            <a:r>
+              <a:rPr lang="en-GB" dirty="0">
+                <a:solidFill>
+                  <a:srgbClr val="404040"/>
+                </a:solidFill>
+                <a:latin typeface="Lato" panose="020F0502020204030203" pitchFamily="34" charset="0"/>
+              </a:rPr>
+              <a:t>Other tips!</a:t>
+            </a:r>
+          </a:p>
+          <a:p>
+            <a:pPr defTabSz="518400"/>
+            <a:r>
+              <a:rPr lang="en-GB" dirty="0">
+                <a:solidFill>
+                  <a:srgbClr val="404040"/>
+                </a:solidFill>
+                <a:latin typeface="Lato" panose="020F0502020204030203" pitchFamily="34" charset="0"/>
+              </a:rPr>
+              <a:t>You can use python within the rules and even run </a:t>
+            </a:r>
+            <a:r>
+              <a:rPr lang="en-GB" dirty="0" err="1">
+                <a:solidFill>
+                  <a:srgbClr val="404040"/>
+                </a:solidFill>
+                <a:latin typeface="Lato" panose="020F0502020204030203" pitchFamily="34" charset="0"/>
+              </a:rPr>
+              <a:t>jupyter</a:t>
+            </a:r>
+            <a:r>
+              <a:rPr lang="en-GB" dirty="0">
+                <a:solidFill>
+                  <a:srgbClr val="404040"/>
+                </a:solidFill>
+                <a:latin typeface="Lato" panose="020F0502020204030203" pitchFamily="34" charset="0"/>
+              </a:rPr>
+              <a:t> notebooks ”</a:t>
+            </a:r>
+            <a:r>
+              <a:rPr lang="en-GB" b="1" dirty="0">
+                <a:solidFill>
+                  <a:srgbClr val="000000"/>
+                </a:solidFill>
+                <a:latin typeface="Consolas" panose="020B0609020204030204" pitchFamily="49" charset="0"/>
+                <a:cs typeface="Consolas" panose="020B0609020204030204" pitchFamily="49" charset="0"/>
+              </a:rPr>
+              <a:t>notebook</a:t>
+            </a:r>
+            <a:r>
+              <a:rPr lang="en-GB" dirty="0">
+                <a:solidFill>
+                  <a:srgbClr val="404040"/>
+                </a:solidFill>
+                <a:latin typeface="Lato" panose="020F0502020204030203" pitchFamily="34" charset="0"/>
+              </a:rPr>
+              <a:t>”</a:t>
+            </a:r>
           </a:p>
           <a:p>
             <a:pPr defTabSz="518400"/>
@@ -8756,35 +9038,14 @@
           <a:p>
             <a:pPr defTabSz="518400"/>
             <a:r>
-              <a:rPr lang="en-GB" dirty="0">
+              <a:rPr lang="en-GB" b="1" dirty="0">
                 <a:solidFill>
                   <a:srgbClr val="404040"/>
-                </a:solidFill>
-                <a:latin typeface="Lato" panose="020F0502020204030203" pitchFamily="34" charset="0"/>
-              </a:rPr>
-              <a:t>DATASETS=[“D1”,”D2”, “D3”]</a:t>
-            </a:r>
-          </a:p>
-          <a:p>
-            <a:pPr defTabSz="518400"/>
-            <a:endParaRPr lang="en-GB" dirty="0">
-              <a:solidFill>
-                <a:srgbClr val="404040"/>
-              </a:solidFill>
-              <a:latin typeface="Lato" panose="020F0502020204030203" pitchFamily="34" charset="0"/>
-            </a:endParaRPr>
-          </a:p>
-          <a:p>
-            <a:pPr defTabSz="518400"/>
-            <a:r>
-              <a:rPr lang="en-GB" b="1" dirty="0">
-                <a:solidFill>
-                  <a:srgbClr val="000000"/>
                 </a:solidFill>
                 <a:latin typeface="Consolas" panose="020B0609020204030204" pitchFamily="49" charset="0"/>
                 <a:cs typeface="Consolas" panose="020B0609020204030204" pitchFamily="49" charset="0"/>
               </a:rPr>
-              <a:t>rule all: </a:t>
+              <a:t>rule sort: </a:t>
             </a:r>
           </a:p>
           <a:p>
@@ -8792,12 +9053,12 @@
             <a:r>
               <a:rPr lang="en-GB" b="1" dirty="0">
                 <a:solidFill>
-                  <a:srgbClr val="000000"/>
+                  <a:srgbClr val="404040"/>
                 </a:solidFill>
                 <a:latin typeface="Consolas" panose="020B0609020204030204" pitchFamily="49" charset="0"/>
                 <a:cs typeface="Consolas" panose="020B0609020204030204" pitchFamily="49" charset="0"/>
               </a:rPr>
-              <a:t>	input:</a:t>
+              <a:t>	input: "path/to/{dataset}.txt" </a:t>
             </a:r>
           </a:p>
           <a:p>
@@ -8805,32 +9066,32 @@
             <a:r>
               <a:rPr lang="en-GB" b="1" dirty="0">
                 <a:solidFill>
-                  <a:srgbClr val="000000"/>
+                  <a:srgbClr val="404040"/>
                 </a:solidFill>
                 <a:latin typeface="Consolas" panose="020B0609020204030204" pitchFamily="49" charset="0"/>
                 <a:cs typeface="Consolas" panose="020B0609020204030204" pitchFamily="49" charset="0"/>
               </a:rPr>
-              <a:t>		["{dataset}.</a:t>
+              <a:t>	output: "{dataset}.</a:t>
             </a:r>
             <a:r>
               <a:rPr lang="en-GB" b="1" dirty="0" err="1">
                 <a:solidFill>
-                  <a:srgbClr val="000000"/>
+                  <a:srgbClr val="404040"/>
                 </a:solidFill>
                 <a:latin typeface="Consolas" panose="020B0609020204030204" pitchFamily="49" charset="0"/>
                 <a:cs typeface="Consolas" panose="020B0609020204030204" pitchFamily="49" charset="0"/>
               </a:rPr>
-              <a:t>sorted.txt".format</a:t>
+              <a:t>sorted.txt</a:t>
             </a:r>
             <a:r>
               <a:rPr lang="en-GB" b="1" dirty="0">
                 <a:solidFill>
-                  <a:srgbClr val="000000"/>
+                  <a:srgbClr val="404040"/>
                 </a:solidFill>
                 <a:latin typeface="Consolas" panose="020B0609020204030204" pitchFamily="49" charset="0"/>
                 <a:cs typeface="Consolas" panose="020B0609020204030204" pitchFamily="49" charset="0"/>
               </a:rPr>
-              <a:t>(dataset=ds) for ds in DATASETS],</a:t>
+              <a:t>" </a:t>
             </a:r>
           </a:p>
           <a:p>
@@ -8838,32 +9099,51 @@
             <a:r>
               <a:rPr lang="en-GB" b="1" dirty="0">
                 <a:solidFill>
-                  <a:srgbClr val="000000"/>
+                  <a:srgbClr val="404040"/>
                 </a:solidFill>
                 <a:latin typeface="Consolas" panose="020B0609020204030204" pitchFamily="49" charset="0"/>
                 <a:cs typeface="Consolas" panose="020B0609020204030204" pitchFamily="49" charset="0"/>
               </a:rPr>
-              <a:t>		expand(“{dataset}.</a:t>
-            </a:r>
-            <a:r>
-              <a:rPr lang="en-GB" b="1" dirty="0" err="1">
-                <a:solidFill>
-                  <a:srgbClr val="000000"/>
+              <a:t>	run: </a:t>
+            </a:r>
+          </a:p>
+          <a:p>
+            <a:pPr defTabSz="518400"/>
+            <a:r>
+              <a:rPr lang="en-GB" b="1" dirty="0">
+                <a:solidFill>
+                  <a:srgbClr val="404040"/>
                 </a:solidFill>
                 <a:latin typeface="Consolas" panose="020B0609020204030204" pitchFamily="49" charset="0"/>
                 <a:cs typeface="Consolas" panose="020B0609020204030204" pitchFamily="49" charset="0"/>
               </a:rPr>
-              <a:t>sorted.txt</a:t>
-            </a:r>
+              <a:t>		with open(output[0], "w") as out: </a:t>
+            </a:r>
+          </a:p>
+          <a:p>
+            <a:pPr defTabSz="518400"/>
             <a:r>
               <a:rPr lang="en-GB" b="1" dirty="0">
                 <a:solidFill>
-                  <a:srgbClr val="000000"/>
+                  <a:srgbClr val="404040"/>
                 </a:solidFill>
                 <a:latin typeface="Consolas" panose="020B0609020204030204" pitchFamily="49" charset="0"/>
                 <a:cs typeface="Consolas" panose="020B0609020204030204" pitchFamily="49" charset="0"/>
               </a:rPr>
-              <a:t>”, dataset=DATASET)</a:t>
+              <a:t>			for l in sorted(open(input[0])): </a:t>
+            </a:r>
+          </a:p>
+          <a:p>
+            <a:pPr defTabSz="518400"/>
+            <a:r>
+              <a:rPr lang="en-GB" b="1" dirty="0">
+                <a:solidFill>
+                  <a:srgbClr val="404040"/>
+                </a:solidFill>
+                <a:latin typeface="Consolas" panose="020B0609020204030204" pitchFamily="49" charset="0"/>
+                <a:cs typeface="Consolas" panose="020B0609020204030204" pitchFamily="49" charset="0"/>
+              </a:rPr>
+              <a:t>				print(l, file=out)</a:t>
             </a:r>
           </a:p>
         </p:txBody>
@@ -8871,7 +9151,7 @@
     </p:spTree>
     <p:extLst>
       <p:ext uri="{BB962C8B-B14F-4D97-AF65-F5344CB8AC3E}">
-        <p14:creationId xmlns:p14="http://schemas.microsoft.com/office/powerpoint/2010/main" val="3122905325"/>
+        <p14:creationId xmlns:p14="http://schemas.microsoft.com/office/powerpoint/2010/main" val="4168531382"/>
       </p:ext>
     </p:extLst>
   </p:cSld>
